--- a/TUGAS PROTOKOL.pptx
+++ b/TUGAS PROTOKOL.pptx
@@ -6,8 +6,8 @@
   </p:sldMasterIdLst>
   <p:sldIdLst>
     <p:sldId id="256" r:id="rId2"/>
-    <p:sldId id="257" r:id="rId3"/>
-    <p:sldId id="258" r:id="rId4"/>
+    <p:sldId id="258" r:id="rId3"/>
+    <p:sldId id="257" r:id="rId4"/>
     <p:sldId id="260" r:id="rId5"/>
     <p:sldId id="262" r:id="rId6"/>
     <p:sldId id="259" r:id="rId7"/>
@@ -111,6 +111,11 @@
       </a:defRPr>
     </a:lvl9pPr>
   </p:defaultTextStyle>
+  <p:extLst>
+    <p:ext uri="{EFAFB233-063F-42B5-8137-9DF3F51BA10A}">
+      <p15:sldGuideLst xmlns:p15="http://schemas.microsoft.com/office/powerpoint/2012/main"/>
+    </p:ext>
+  </p:extLst>
 </p:presentation>
 </file>
 
@@ -156,10 +161,9 @@
           </a:lstStyle>
           <a:p>
             <a:r>
-              <a:rPr lang="en-US" smtClean="0"/>
+              <a:rPr lang="en-US"/>
               <a:t>Click to edit Master title style</a:t>
             </a:r>
-            <a:endParaRPr lang="en-US"/>
           </a:p>
         </p:txBody>
       </p:sp>
@@ -221,10 +225,9 @@
           </a:lstStyle>
           <a:p>
             <a:r>
-              <a:rPr lang="en-US" smtClean="0"/>
+              <a:rPr lang="en-US"/>
               <a:t>Click to edit Master subtitle style</a:t>
             </a:r>
-            <a:endParaRPr lang="en-US"/>
           </a:p>
         </p:txBody>
       </p:sp>
@@ -245,7 +248,7 @@
           <a:p>
             <a:fld id="{EE60F8FA-9017-4CCD-A487-44DD51B54819}" type="datetimeFigureOut">
               <a:rPr lang="en-US" smtClean="0"/>
-              <a:t>10/17/2016</a:t>
+              <a:t>10/18/2016</a:t>
             </a:fld>
             <a:endParaRPr lang="en-US"/>
           </a:p>
@@ -339,10 +342,9 @@
           <a:lstStyle/>
           <a:p>
             <a:r>
-              <a:rPr lang="en-US" smtClean="0"/>
+              <a:rPr lang="en-US"/>
               <a:t>Click to edit Master title style</a:t>
             </a:r>
-            <a:endParaRPr lang="en-US"/>
           </a:p>
         </p:txBody>
       </p:sp>
@@ -363,38 +365,37 @@
           <a:p>
             <a:pPr lvl="0"/>
             <a:r>
-              <a:rPr lang="en-US" smtClean="0"/>
+              <a:rPr lang="en-US"/>
               <a:t>Click to edit Master text styles</a:t>
             </a:r>
           </a:p>
           <a:p>
             <a:pPr lvl="1"/>
             <a:r>
-              <a:rPr lang="en-US" smtClean="0"/>
+              <a:rPr lang="en-US"/>
               <a:t>Second level</a:t>
             </a:r>
           </a:p>
           <a:p>
             <a:pPr lvl="2"/>
             <a:r>
-              <a:rPr lang="en-US" smtClean="0"/>
+              <a:rPr lang="en-US"/>
               <a:t>Third level</a:t>
             </a:r>
           </a:p>
           <a:p>
             <a:pPr lvl="3"/>
             <a:r>
-              <a:rPr lang="en-US" smtClean="0"/>
+              <a:rPr lang="en-US"/>
               <a:t>Fourth level</a:t>
             </a:r>
           </a:p>
           <a:p>
             <a:pPr lvl="4"/>
             <a:r>
-              <a:rPr lang="en-US" smtClean="0"/>
+              <a:rPr lang="en-US"/>
               <a:t>Fifth level</a:t>
             </a:r>
-            <a:endParaRPr lang="en-US"/>
           </a:p>
         </p:txBody>
       </p:sp>
@@ -415,7 +416,7 @@
           <a:p>
             <a:fld id="{EE60F8FA-9017-4CCD-A487-44DD51B54819}" type="datetimeFigureOut">
               <a:rPr lang="en-US" smtClean="0"/>
-              <a:t>10/17/2016</a:t>
+              <a:t>10/18/2016</a:t>
             </a:fld>
             <a:endParaRPr lang="en-US"/>
           </a:p>
@@ -514,10 +515,9 @@
           <a:lstStyle/>
           <a:p>
             <a:r>
-              <a:rPr lang="en-US" smtClean="0"/>
+              <a:rPr lang="en-US"/>
               <a:t>Click to edit Master title style</a:t>
             </a:r>
-            <a:endParaRPr lang="en-US"/>
           </a:p>
         </p:txBody>
       </p:sp>
@@ -543,38 +543,37 @@
           <a:p>
             <a:pPr lvl="0"/>
             <a:r>
-              <a:rPr lang="en-US" smtClean="0"/>
+              <a:rPr lang="en-US"/>
               <a:t>Click to edit Master text styles</a:t>
             </a:r>
           </a:p>
           <a:p>
             <a:pPr lvl="1"/>
             <a:r>
-              <a:rPr lang="en-US" smtClean="0"/>
+              <a:rPr lang="en-US"/>
               <a:t>Second level</a:t>
             </a:r>
           </a:p>
           <a:p>
             <a:pPr lvl="2"/>
             <a:r>
-              <a:rPr lang="en-US" smtClean="0"/>
+              <a:rPr lang="en-US"/>
               <a:t>Third level</a:t>
             </a:r>
           </a:p>
           <a:p>
             <a:pPr lvl="3"/>
             <a:r>
-              <a:rPr lang="en-US" smtClean="0"/>
+              <a:rPr lang="en-US"/>
               <a:t>Fourth level</a:t>
             </a:r>
           </a:p>
           <a:p>
             <a:pPr lvl="4"/>
             <a:r>
-              <a:rPr lang="en-US" smtClean="0"/>
+              <a:rPr lang="en-US"/>
               <a:t>Fifth level</a:t>
             </a:r>
-            <a:endParaRPr lang="en-US"/>
           </a:p>
         </p:txBody>
       </p:sp>
@@ -595,7 +594,7 @@
           <a:p>
             <a:fld id="{EE60F8FA-9017-4CCD-A487-44DD51B54819}" type="datetimeFigureOut">
               <a:rPr lang="en-US" smtClean="0"/>
-              <a:t>10/17/2016</a:t>
+              <a:t>10/18/2016</a:t>
             </a:fld>
             <a:endParaRPr lang="en-US"/>
           </a:p>
@@ -689,10 +688,9 @@
           <a:lstStyle/>
           <a:p>
             <a:r>
-              <a:rPr lang="en-US" smtClean="0"/>
+              <a:rPr lang="en-US"/>
               <a:t>Click to edit Master title style</a:t>
             </a:r>
-            <a:endParaRPr lang="en-US"/>
           </a:p>
         </p:txBody>
       </p:sp>
@@ -713,38 +711,37 @@
           <a:p>
             <a:pPr lvl="0"/>
             <a:r>
-              <a:rPr lang="en-US" smtClean="0"/>
+              <a:rPr lang="en-US"/>
               <a:t>Click to edit Master text styles</a:t>
             </a:r>
           </a:p>
           <a:p>
             <a:pPr lvl="1"/>
             <a:r>
-              <a:rPr lang="en-US" smtClean="0"/>
+              <a:rPr lang="en-US"/>
               <a:t>Second level</a:t>
             </a:r>
           </a:p>
           <a:p>
             <a:pPr lvl="2"/>
             <a:r>
-              <a:rPr lang="en-US" smtClean="0"/>
+              <a:rPr lang="en-US"/>
               <a:t>Third level</a:t>
             </a:r>
           </a:p>
           <a:p>
             <a:pPr lvl="3"/>
             <a:r>
-              <a:rPr lang="en-US" smtClean="0"/>
+              <a:rPr lang="en-US"/>
               <a:t>Fourth level</a:t>
             </a:r>
           </a:p>
           <a:p>
             <a:pPr lvl="4"/>
             <a:r>
-              <a:rPr lang="en-US" smtClean="0"/>
+              <a:rPr lang="en-US"/>
               <a:t>Fifth level</a:t>
             </a:r>
-            <a:endParaRPr lang="en-US"/>
           </a:p>
         </p:txBody>
       </p:sp>
@@ -765,7 +762,7 @@
           <a:p>
             <a:fld id="{EE60F8FA-9017-4CCD-A487-44DD51B54819}" type="datetimeFigureOut">
               <a:rPr lang="en-US" smtClean="0"/>
-              <a:t>10/17/2016</a:t>
+              <a:t>10/18/2016</a:t>
             </a:fld>
             <a:endParaRPr lang="en-US"/>
           </a:p>
@@ -868,10 +865,9 @@
           </a:lstStyle>
           <a:p>
             <a:r>
-              <a:rPr lang="en-US" smtClean="0"/>
+              <a:rPr lang="en-US"/>
               <a:t>Click to edit Master title style</a:t>
             </a:r>
-            <a:endParaRPr lang="en-US"/>
           </a:p>
         </p:txBody>
       </p:sp>
@@ -988,7 +984,7 @@
           <a:p>
             <a:pPr lvl="0"/>
             <a:r>
-              <a:rPr lang="en-US" smtClean="0"/>
+              <a:rPr lang="en-US"/>
               <a:t>Click to edit Master text styles</a:t>
             </a:r>
           </a:p>
@@ -1011,7 +1007,7 @@
           <a:p>
             <a:fld id="{EE60F8FA-9017-4CCD-A487-44DD51B54819}" type="datetimeFigureOut">
               <a:rPr lang="en-US" smtClean="0"/>
-              <a:t>10/17/2016</a:t>
+              <a:t>10/18/2016</a:t>
             </a:fld>
             <a:endParaRPr lang="en-US"/>
           </a:p>
@@ -1105,10 +1101,9 @@
           <a:lstStyle/>
           <a:p>
             <a:r>
-              <a:rPr lang="en-US" smtClean="0"/>
+              <a:rPr lang="en-US"/>
               <a:t>Click to edit Master title style</a:t>
             </a:r>
-            <a:endParaRPr lang="en-US"/>
           </a:p>
         </p:txBody>
       </p:sp>
@@ -1134,38 +1129,37 @@
           <a:p>
             <a:pPr lvl="0"/>
             <a:r>
-              <a:rPr lang="en-US" smtClean="0"/>
+              <a:rPr lang="en-US"/>
               <a:t>Click to edit Master text styles</a:t>
             </a:r>
           </a:p>
           <a:p>
             <a:pPr lvl="1"/>
             <a:r>
-              <a:rPr lang="en-US" smtClean="0"/>
+              <a:rPr lang="en-US"/>
               <a:t>Second level</a:t>
             </a:r>
           </a:p>
           <a:p>
             <a:pPr lvl="2"/>
             <a:r>
-              <a:rPr lang="en-US" smtClean="0"/>
+              <a:rPr lang="en-US"/>
               <a:t>Third level</a:t>
             </a:r>
           </a:p>
           <a:p>
             <a:pPr lvl="3"/>
             <a:r>
-              <a:rPr lang="en-US" smtClean="0"/>
+              <a:rPr lang="en-US"/>
               <a:t>Fourth level</a:t>
             </a:r>
           </a:p>
           <a:p>
             <a:pPr lvl="4"/>
             <a:r>
-              <a:rPr lang="en-US" smtClean="0"/>
+              <a:rPr lang="en-US"/>
               <a:t>Fifth level</a:t>
             </a:r>
-            <a:endParaRPr lang="en-US"/>
           </a:p>
         </p:txBody>
       </p:sp>
@@ -1191,38 +1185,37 @@
           <a:p>
             <a:pPr lvl="0"/>
             <a:r>
-              <a:rPr lang="en-US" smtClean="0"/>
+              <a:rPr lang="en-US"/>
               <a:t>Click to edit Master text styles</a:t>
             </a:r>
           </a:p>
           <a:p>
             <a:pPr lvl="1"/>
             <a:r>
-              <a:rPr lang="en-US" smtClean="0"/>
+              <a:rPr lang="en-US"/>
               <a:t>Second level</a:t>
             </a:r>
           </a:p>
           <a:p>
             <a:pPr lvl="2"/>
             <a:r>
-              <a:rPr lang="en-US" smtClean="0"/>
+              <a:rPr lang="en-US"/>
               <a:t>Third level</a:t>
             </a:r>
           </a:p>
           <a:p>
             <a:pPr lvl="3"/>
             <a:r>
-              <a:rPr lang="en-US" smtClean="0"/>
+              <a:rPr lang="en-US"/>
               <a:t>Fourth level</a:t>
             </a:r>
           </a:p>
           <a:p>
             <a:pPr lvl="4"/>
             <a:r>
-              <a:rPr lang="en-US" smtClean="0"/>
+              <a:rPr lang="en-US"/>
               <a:t>Fifth level</a:t>
             </a:r>
-            <a:endParaRPr lang="en-US"/>
           </a:p>
         </p:txBody>
       </p:sp>
@@ -1243,7 +1236,7 @@
           <a:p>
             <a:fld id="{EE60F8FA-9017-4CCD-A487-44DD51B54819}" type="datetimeFigureOut">
               <a:rPr lang="en-US" smtClean="0"/>
-              <a:t>10/17/2016</a:t>
+              <a:t>10/18/2016</a:t>
             </a:fld>
             <a:endParaRPr lang="en-US"/>
           </a:p>
@@ -1342,10 +1335,9 @@
           <a:lstStyle/>
           <a:p>
             <a:r>
-              <a:rPr lang="en-US" smtClean="0"/>
+              <a:rPr lang="en-US"/>
               <a:t>Click to edit Master title style</a:t>
             </a:r>
-            <a:endParaRPr lang="en-US"/>
           </a:p>
         </p:txBody>
       </p:sp>
@@ -1408,7 +1400,7 @@
           <a:p>
             <a:pPr lvl="0"/>
             <a:r>
-              <a:rPr lang="en-US" smtClean="0"/>
+              <a:rPr lang="en-US"/>
               <a:t>Click to edit Master text styles</a:t>
             </a:r>
           </a:p>
@@ -1436,38 +1428,37 @@
           <a:p>
             <a:pPr lvl="0"/>
             <a:r>
-              <a:rPr lang="en-US" smtClean="0"/>
+              <a:rPr lang="en-US"/>
               <a:t>Click to edit Master text styles</a:t>
             </a:r>
           </a:p>
           <a:p>
             <a:pPr lvl="1"/>
             <a:r>
-              <a:rPr lang="en-US" smtClean="0"/>
+              <a:rPr lang="en-US"/>
               <a:t>Second level</a:t>
             </a:r>
           </a:p>
           <a:p>
             <a:pPr lvl="2"/>
             <a:r>
-              <a:rPr lang="en-US" smtClean="0"/>
+              <a:rPr lang="en-US"/>
               <a:t>Third level</a:t>
             </a:r>
           </a:p>
           <a:p>
             <a:pPr lvl="3"/>
             <a:r>
-              <a:rPr lang="en-US" smtClean="0"/>
+              <a:rPr lang="en-US"/>
               <a:t>Fourth level</a:t>
             </a:r>
           </a:p>
           <a:p>
             <a:pPr lvl="4"/>
             <a:r>
-              <a:rPr lang="en-US" smtClean="0"/>
+              <a:rPr lang="en-US"/>
               <a:t>Fifth level</a:t>
             </a:r>
-            <a:endParaRPr lang="en-US"/>
           </a:p>
         </p:txBody>
       </p:sp>
@@ -1530,7 +1521,7 @@
           <a:p>
             <a:pPr lvl="0"/>
             <a:r>
-              <a:rPr lang="en-US" smtClean="0"/>
+              <a:rPr lang="en-US"/>
               <a:t>Click to edit Master text styles</a:t>
             </a:r>
           </a:p>
@@ -1558,38 +1549,37 @@
           <a:p>
             <a:pPr lvl="0"/>
             <a:r>
-              <a:rPr lang="en-US" smtClean="0"/>
+              <a:rPr lang="en-US"/>
               <a:t>Click to edit Master text styles</a:t>
             </a:r>
           </a:p>
           <a:p>
             <a:pPr lvl="1"/>
             <a:r>
-              <a:rPr lang="en-US" smtClean="0"/>
+              <a:rPr lang="en-US"/>
               <a:t>Second level</a:t>
             </a:r>
           </a:p>
           <a:p>
             <a:pPr lvl="2"/>
             <a:r>
-              <a:rPr lang="en-US" smtClean="0"/>
+              <a:rPr lang="en-US"/>
               <a:t>Third level</a:t>
             </a:r>
           </a:p>
           <a:p>
             <a:pPr lvl="3"/>
             <a:r>
-              <a:rPr lang="en-US" smtClean="0"/>
+              <a:rPr lang="en-US"/>
               <a:t>Fourth level</a:t>
             </a:r>
           </a:p>
           <a:p>
             <a:pPr lvl="4"/>
             <a:r>
-              <a:rPr lang="en-US" smtClean="0"/>
+              <a:rPr lang="en-US"/>
               <a:t>Fifth level</a:t>
             </a:r>
-            <a:endParaRPr lang="en-US"/>
           </a:p>
         </p:txBody>
       </p:sp>
@@ -1610,7 +1600,7 @@
           <a:p>
             <a:fld id="{EE60F8FA-9017-4CCD-A487-44DD51B54819}" type="datetimeFigureOut">
               <a:rPr lang="en-US" smtClean="0"/>
-              <a:t>10/17/2016</a:t>
+              <a:t>10/18/2016</a:t>
             </a:fld>
             <a:endParaRPr lang="en-US"/>
           </a:p>
@@ -1704,10 +1694,9 @@
           <a:lstStyle/>
           <a:p>
             <a:r>
-              <a:rPr lang="en-US" smtClean="0"/>
+              <a:rPr lang="en-US"/>
               <a:t>Click to edit Master title style</a:t>
             </a:r>
-            <a:endParaRPr lang="en-US"/>
           </a:p>
         </p:txBody>
       </p:sp>
@@ -1728,7 +1717,7 @@
           <a:p>
             <a:fld id="{EE60F8FA-9017-4CCD-A487-44DD51B54819}" type="datetimeFigureOut">
               <a:rPr lang="en-US" smtClean="0"/>
-              <a:t>10/17/2016</a:t>
+              <a:t>10/18/2016</a:t>
             </a:fld>
             <a:endParaRPr lang="en-US"/>
           </a:p>
@@ -1823,7 +1812,7 @@
           <a:p>
             <a:fld id="{EE60F8FA-9017-4CCD-A487-44DD51B54819}" type="datetimeFigureOut">
               <a:rPr lang="en-US" smtClean="0"/>
-              <a:t>10/17/2016</a:t>
+              <a:t>10/18/2016</a:t>
             </a:fld>
             <a:endParaRPr lang="en-US"/>
           </a:p>
@@ -1926,10 +1915,9 @@
           </a:lstStyle>
           <a:p>
             <a:r>
-              <a:rPr lang="en-US" smtClean="0"/>
+              <a:rPr lang="en-US"/>
               <a:t>Click to edit Master title style</a:t>
             </a:r>
-            <a:endParaRPr lang="en-US"/>
           </a:p>
         </p:txBody>
       </p:sp>
@@ -1983,38 +1971,37 @@
           <a:p>
             <a:pPr lvl="0"/>
             <a:r>
-              <a:rPr lang="en-US" smtClean="0"/>
+              <a:rPr lang="en-US"/>
               <a:t>Click to edit Master text styles</a:t>
             </a:r>
           </a:p>
           <a:p>
             <a:pPr lvl="1"/>
             <a:r>
-              <a:rPr lang="en-US" smtClean="0"/>
+              <a:rPr lang="en-US"/>
               <a:t>Second level</a:t>
             </a:r>
           </a:p>
           <a:p>
             <a:pPr lvl="2"/>
             <a:r>
-              <a:rPr lang="en-US" smtClean="0"/>
+              <a:rPr lang="en-US"/>
               <a:t>Third level</a:t>
             </a:r>
           </a:p>
           <a:p>
             <a:pPr lvl="3"/>
             <a:r>
-              <a:rPr lang="en-US" smtClean="0"/>
+              <a:rPr lang="en-US"/>
               <a:t>Fourth level</a:t>
             </a:r>
           </a:p>
           <a:p>
             <a:pPr lvl="4"/>
             <a:r>
-              <a:rPr lang="en-US" smtClean="0"/>
+              <a:rPr lang="en-US"/>
               <a:t>Fifth level</a:t>
             </a:r>
-            <a:endParaRPr lang="en-US"/>
           </a:p>
         </p:txBody>
       </p:sp>
@@ -2077,7 +2064,7 @@
           <a:p>
             <a:pPr lvl="0"/>
             <a:r>
-              <a:rPr lang="en-US" smtClean="0"/>
+              <a:rPr lang="en-US"/>
               <a:t>Click to edit Master text styles</a:t>
             </a:r>
           </a:p>
@@ -2100,7 +2087,7 @@
           <a:p>
             <a:fld id="{EE60F8FA-9017-4CCD-A487-44DD51B54819}" type="datetimeFigureOut">
               <a:rPr lang="en-US" smtClean="0"/>
-              <a:t>10/17/2016</a:t>
+              <a:t>10/18/2016</a:t>
             </a:fld>
             <a:endParaRPr lang="en-US"/>
           </a:p>
@@ -2203,10 +2190,9 @@
           </a:lstStyle>
           <a:p>
             <a:r>
-              <a:rPr lang="en-US" smtClean="0"/>
+              <a:rPr lang="en-US"/>
               <a:t>Click to edit Master title style</a:t>
             </a:r>
-            <a:endParaRPr lang="en-US"/>
           </a:p>
         </p:txBody>
       </p:sp>
@@ -2330,7 +2316,7 @@
           <a:p>
             <a:pPr lvl="0"/>
             <a:r>
-              <a:rPr lang="en-US" smtClean="0"/>
+              <a:rPr lang="en-US"/>
               <a:t>Click to edit Master text styles</a:t>
             </a:r>
           </a:p>
@@ -2353,7 +2339,7 @@
           <a:p>
             <a:fld id="{EE60F8FA-9017-4CCD-A487-44DD51B54819}" type="datetimeFigureOut">
               <a:rPr lang="en-US" smtClean="0"/>
-              <a:t>10/17/2016</a:t>
+              <a:t>10/18/2016</a:t>
             </a:fld>
             <a:endParaRPr lang="en-US"/>
           </a:p>
@@ -2472,10 +2458,9 @@
           <a:lstStyle/>
           <a:p>
             <a:r>
-              <a:rPr lang="en-US" smtClean="0"/>
+              <a:rPr lang="en-US"/>
               <a:t>Click to edit Master title style</a:t>
             </a:r>
-            <a:endParaRPr lang="en-US"/>
           </a:p>
         </p:txBody>
       </p:sp>
@@ -2506,38 +2491,37 @@
           <a:p>
             <a:pPr lvl="0"/>
             <a:r>
-              <a:rPr lang="en-US" smtClean="0"/>
+              <a:rPr lang="en-US"/>
               <a:t>Click to edit Master text styles</a:t>
             </a:r>
           </a:p>
           <a:p>
             <a:pPr lvl="1"/>
             <a:r>
-              <a:rPr lang="en-US" smtClean="0"/>
+              <a:rPr lang="en-US"/>
               <a:t>Second level</a:t>
             </a:r>
           </a:p>
           <a:p>
             <a:pPr lvl="2"/>
             <a:r>
-              <a:rPr lang="en-US" smtClean="0"/>
+              <a:rPr lang="en-US"/>
               <a:t>Third level</a:t>
             </a:r>
           </a:p>
           <a:p>
             <a:pPr lvl="3"/>
             <a:r>
-              <a:rPr lang="en-US" smtClean="0"/>
+              <a:rPr lang="en-US"/>
               <a:t>Fourth level</a:t>
             </a:r>
           </a:p>
           <a:p>
             <a:pPr lvl="4"/>
             <a:r>
-              <a:rPr lang="en-US" smtClean="0"/>
+              <a:rPr lang="en-US"/>
               <a:t>Fifth level</a:t>
             </a:r>
-            <a:endParaRPr lang="en-US"/>
           </a:p>
         </p:txBody>
       </p:sp>
@@ -2576,7 +2560,7 @@
           <a:p>
             <a:fld id="{EE60F8FA-9017-4CCD-A487-44DD51B54819}" type="datetimeFigureOut">
               <a:rPr lang="en-US" smtClean="0"/>
-              <a:t>10/17/2016</a:t>
+              <a:t>10/18/2016</a:t>
             </a:fld>
             <a:endParaRPr lang="en-US"/>
           </a:p>
@@ -3002,10 +2986,9 @@
           <a:lstStyle/>
           <a:p>
             <a:r>
-              <a:rPr lang="en-US" dirty="0" smtClean="0"/>
+              <a:rPr lang="en-US" dirty="0"/>
               <a:t>TUGAS PROTOKOL</a:t>
             </a:r>
-            <a:endParaRPr lang="en-US" dirty="0"/>
           </a:p>
         </p:txBody>
       </p:sp>
@@ -3032,40 +3015,39 @@
           <a:lstStyle/>
           <a:p>
             <a:r>
-              <a:rPr lang="en-US" dirty="0" smtClean="0"/>
+              <a:rPr lang="en-US" dirty="0"/>
               <a:t>PEMROGRAMAN JARINGAN E</a:t>
             </a:r>
           </a:p>
           <a:p>
             <a:r>
-              <a:rPr lang="en-US" dirty="0" smtClean="0"/>
+              <a:rPr lang="en-US" dirty="0"/>
               <a:t>KELOMPOK 1</a:t>
             </a:r>
           </a:p>
           <a:p>
             <a:r>
-              <a:rPr lang="en-US" dirty="0" smtClean="0"/>
+              <a:rPr lang="en-US" dirty="0"/>
               <a:t>5114100043 JEFFRY NASRI FARUKI</a:t>
             </a:r>
           </a:p>
           <a:p>
             <a:r>
-              <a:rPr lang="en-US" dirty="0" smtClean="0"/>
+              <a:rPr lang="en-US" dirty="0"/>
               <a:t>5114100127 R.AY. NOORMALA NADYA</a:t>
             </a:r>
           </a:p>
           <a:p>
             <a:r>
-              <a:rPr lang="en-US" dirty="0" smtClean="0"/>
+              <a:rPr lang="en-US" dirty="0"/>
               <a:t>5114100163 M HABIBUR RAHMAN</a:t>
             </a:r>
           </a:p>
           <a:p>
             <a:r>
-              <a:rPr lang="en-US" dirty="0" smtClean="0"/>
+              <a:rPr lang="en-US" dirty="0"/>
               <a:t>5114100178 KUKUH RILO PAMBUDI</a:t>
             </a:r>
-            <a:endParaRPr lang="en-US" dirty="0"/>
           </a:p>
         </p:txBody>
       </p:sp>
@@ -3115,35 +3097,15 @@
           <a:lstStyle/>
           <a:p>
             <a:r>
-              <a:rPr lang="en-US" dirty="0" smtClean="0"/>
+              <a:rPr lang="en-US" dirty="0"/>
               <a:t>PENJELASAN PROGRAM</a:t>
             </a:r>
-            <a:endParaRPr lang="en-US" dirty="0"/>
-          </a:p>
-        </p:txBody>
-      </p:sp>
-      <p:sp>
-        <p:nvSpPr>
-          <p:cNvPr id="5" name="Content Placeholder 4"/>
-          <p:cNvSpPr>
-            <a:spLocks noGrp="1"/>
-          </p:cNvSpPr>
-          <p:nvPr>
-            <p:ph sz="half" idx="2"/>
-          </p:nvPr>
-        </p:nvSpPr>
-        <p:spPr/>
-        <p:txBody>
-          <a:bodyPr/>
-          <a:lstStyle/>
-          <a:p>
-            <a:endParaRPr lang="en-US" dirty="0"/>
           </a:p>
         </p:txBody>
       </p:sp>
       <p:pic>
         <p:nvPicPr>
-          <p:cNvPr id="8" name="Content Placeholder 7"/>
+          <p:cNvPr id="5" name="Content Placeholder 4"/>
           <p:cNvPicPr>
             <a:picLocks noGrp="1" noChangeAspect="1"/>
           </p:cNvPicPr>
@@ -3165,15 +3127,185 @@
         </p:blipFill>
         <p:spPr>
           <a:xfrm>
-            <a:off x="838199" y="1825625"/>
-            <a:ext cx="4699715" cy="4302048"/>
+            <a:off x="838200" y="1690688"/>
+            <a:ext cx="5181600" cy="3523487"/>
           </a:xfrm>
+        </p:spPr>
+      </p:pic>
+      <p:sp>
+        <p:nvSpPr>
+          <p:cNvPr id="4" name="Content Placeholder 3"/>
+          <p:cNvSpPr>
+            <a:spLocks noGrp="1"/>
+          </p:cNvSpPr>
+          <p:nvPr>
+            <p:ph sz="half" idx="2"/>
+          </p:nvPr>
+        </p:nvSpPr>
+        <p:spPr/>
+        <p:txBody>
+          <a:bodyPr/>
+          <a:lstStyle/>
+          <a:p>
+            <a:r>
+              <a:rPr lang="en-US" dirty="0" err="1"/>
+              <a:t>Baris</a:t>
+            </a:r>
+            <a:r>
+              <a:rPr lang="en-US" dirty="0"/>
+              <a:t> 3- 14 </a:t>
+            </a:r>
+          </a:p>
+          <a:p>
+            <a:pPr marL="457200" lvl="1" indent="0">
+              <a:buNone/>
+            </a:pPr>
+            <a:r>
+              <a:rPr lang="en-US" dirty="0" err="1"/>
+              <a:t>Fungsi</a:t>
+            </a:r>
+            <a:r>
+              <a:rPr lang="en-US" dirty="0"/>
+              <a:t> yang </a:t>
+            </a:r>
+            <a:r>
+              <a:rPr lang="en-US" dirty="0" err="1"/>
+              <a:t>menghandle</a:t>
+            </a:r>
+            <a:r>
+              <a:rPr lang="en-US" dirty="0"/>
+              <a:t> download file</a:t>
+            </a:r>
+          </a:p>
+          <a:p>
+            <a:r>
+              <a:rPr lang="en-US" dirty="0" err="1"/>
+              <a:t>Baris</a:t>
+            </a:r>
+            <a:r>
+              <a:rPr lang="en-US" dirty="0"/>
+              <a:t> 16-18</a:t>
+            </a:r>
+          </a:p>
+          <a:p>
+            <a:pPr marL="457200" lvl="1" indent="0">
+              <a:buNone/>
+            </a:pPr>
+            <a:r>
+              <a:rPr lang="en-US" dirty="0" err="1"/>
+              <a:t>Inisialisasi</a:t>
+            </a:r>
+            <a:r>
+              <a:rPr lang="en-US" dirty="0"/>
+              <a:t> </a:t>
+            </a:r>
+            <a:r>
+              <a:rPr lang="en-US" dirty="0" err="1"/>
+              <a:t>soket</a:t>
+            </a:r>
+            <a:endParaRPr lang="en-US" dirty="0"/>
+          </a:p>
+          <a:p>
+            <a:r>
+              <a:rPr lang="en-US" dirty="0" err="1"/>
+              <a:t>Baris</a:t>
+            </a:r>
+            <a:r>
+              <a:rPr lang="en-US" dirty="0"/>
+              <a:t> 22 – 28</a:t>
+            </a:r>
+          </a:p>
+          <a:p>
+            <a:pPr marL="457200" lvl="1" indent="0">
+              <a:buNone/>
+            </a:pPr>
+            <a:r>
+              <a:rPr lang="en-US" dirty="0" err="1"/>
+              <a:t>Menunggu</a:t>
+            </a:r>
+            <a:r>
+              <a:rPr lang="en-US" dirty="0"/>
+              <a:t> </a:t>
+            </a:r>
+            <a:r>
+              <a:rPr lang="en-US" dirty="0" err="1"/>
+              <a:t>koneksi</a:t>
+            </a:r>
+            <a:r>
+              <a:rPr lang="en-US" dirty="0"/>
+              <a:t> </a:t>
+            </a:r>
+            <a:r>
+              <a:rPr lang="en-US" dirty="0" err="1"/>
+              <a:t>dari</a:t>
+            </a:r>
+            <a:r>
+              <a:rPr lang="en-US" dirty="0"/>
+              <a:t> client, </a:t>
+            </a:r>
+            <a:r>
+              <a:rPr lang="en-US" dirty="0" err="1"/>
+              <a:t>jika</a:t>
+            </a:r>
+            <a:r>
+              <a:rPr lang="en-US" dirty="0"/>
+              <a:t> </a:t>
+            </a:r>
+            <a:r>
+              <a:rPr lang="en-US" dirty="0" err="1"/>
+              <a:t>ada</a:t>
+            </a:r>
+            <a:r>
+              <a:rPr lang="en-US" dirty="0"/>
+              <a:t> yang </a:t>
+            </a:r>
+            <a:r>
+              <a:rPr lang="en-US" dirty="0" err="1"/>
+              <a:t>konek</a:t>
+            </a:r>
+            <a:r>
+              <a:rPr lang="en-US" dirty="0"/>
+              <a:t>, </a:t>
+            </a:r>
+            <a:r>
+              <a:rPr lang="en-US" dirty="0" err="1"/>
+              <a:t>langsung</a:t>
+            </a:r>
+            <a:r>
+              <a:rPr lang="en-US" dirty="0"/>
+              <a:t> download file</a:t>
+            </a:r>
+          </a:p>
+        </p:txBody>
+      </p:sp>
+      <p:pic>
+        <p:nvPicPr>
+          <p:cNvPr id="3" name="Picture 2"/>
+          <p:cNvPicPr>
+            <a:picLocks noChangeAspect="1"/>
+          </p:cNvPicPr>
+          <p:nvPr/>
+        </p:nvPicPr>
+        <p:blipFill>
+          <a:blip r:embed="rId3"/>
+          <a:stretch>
+            <a:fillRect/>
+          </a:stretch>
+        </p:blipFill>
+        <p:spPr>
+          <a:xfrm>
+            <a:off x="533400" y="1324769"/>
+            <a:ext cx="5486400" cy="5353050"/>
+          </a:xfrm>
+          <a:prstGeom prst="rect">
+            <a:avLst/>
+          </a:prstGeom>
         </p:spPr>
       </p:pic>
     </p:spTree>
     <p:extLst>
       <p:ext uri="{BB962C8B-B14F-4D97-AF65-F5344CB8AC3E}">
-        <p14:creationId xmlns:p14="http://schemas.microsoft.com/office/powerpoint/2010/main" val="3586243086"/>
+        <p14:creationId xmlns:p14="http://schemas.microsoft.com/office/powerpoint/2010/main" val="3399844259"/>
       </p:ext>
     </p:extLst>
   </p:cSld>
@@ -3216,16 +3348,118 @@
           <a:lstStyle/>
           <a:p>
             <a:r>
-              <a:rPr lang="en-US" dirty="0" smtClean="0"/>
+              <a:rPr lang="en-US" dirty="0"/>
               <a:t>PENJELASAN PROGRAM</a:t>
             </a:r>
+          </a:p>
+        </p:txBody>
+      </p:sp>
+      <p:sp>
+        <p:nvSpPr>
+          <p:cNvPr id="5" name="Content Placeholder 4"/>
+          <p:cNvSpPr>
+            <a:spLocks noGrp="1"/>
+          </p:cNvSpPr>
+          <p:nvPr>
+            <p:ph sz="half" idx="2"/>
+          </p:nvPr>
+        </p:nvSpPr>
+        <p:spPr/>
+        <p:txBody>
+          <a:bodyPr/>
+          <a:lstStyle/>
+          <a:p>
+            <a:r>
+              <a:rPr lang="en-US" dirty="0" err="1"/>
+              <a:t>Baris</a:t>
+            </a:r>
+            <a:r>
+              <a:rPr lang="en-US" dirty="0"/>
+              <a:t> 3- 6 </a:t>
+            </a:r>
+          </a:p>
+          <a:p>
+            <a:pPr marL="457200" lvl="1" indent="0">
+              <a:buNone/>
+            </a:pPr>
+            <a:r>
+              <a:rPr lang="en-US" dirty="0" err="1"/>
+              <a:t>Inisialisasi</a:t>
+            </a:r>
+            <a:r>
+              <a:rPr lang="en-US" dirty="0"/>
+              <a:t> </a:t>
+            </a:r>
+            <a:r>
+              <a:rPr lang="en-US" dirty="0" err="1"/>
+              <a:t>Soket</a:t>
+            </a:r>
+            <a:endParaRPr lang="en-US" dirty="0"/>
+          </a:p>
+          <a:p>
+            <a:r>
+              <a:rPr lang="en-US" dirty="0" err="1"/>
+              <a:t>Baris</a:t>
+            </a:r>
+            <a:r>
+              <a:rPr lang="en-US" dirty="0"/>
+              <a:t> 8 - 22</a:t>
+            </a:r>
+          </a:p>
+          <a:p>
+            <a:pPr marL="457200" lvl="1" indent="0">
+              <a:buNone/>
+            </a:pPr>
+            <a:r>
+              <a:rPr lang="en-US" dirty="0" err="1"/>
+              <a:t>Membuat</a:t>
+            </a:r>
+            <a:r>
+              <a:rPr lang="en-US" dirty="0"/>
+              <a:t> file </a:t>
+            </a:r>
+            <a:r>
+              <a:rPr lang="en-US" dirty="0" err="1"/>
+              <a:t>sebg</a:t>
+            </a:r>
+            <a:r>
+              <a:rPr lang="en-US" dirty="0"/>
+              <a:t> </a:t>
+            </a:r>
+            <a:r>
+              <a:rPr lang="en-US" dirty="0" err="1"/>
+              <a:t>penampung</a:t>
+            </a:r>
+            <a:r>
+              <a:rPr lang="en-US" dirty="0"/>
+              <a:t> </a:t>
+            </a:r>
+            <a:r>
+              <a:rPr lang="en-US" dirty="0" err="1"/>
+              <a:t>hasil</a:t>
+            </a:r>
+            <a:r>
+              <a:rPr lang="en-US" dirty="0"/>
+              <a:t> transfer char </a:t>
+            </a:r>
+            <a:r>
+              <a:rPr lang="en-US" dirty="0" err="1"/>
+              <a:t>dari</a:t>
+            </a:r>
+            <a:r>
+              <a:rPr lang="en-US"/>
+              <a:t> server</a:t>
+            </a:r>
+            <a:endParaRPr lang="en-US" dirty="0"/>
+          </a:p>
+          <a:p>
             <a:endParaRPr lang="en-US" dirty="0"/>
           </a:p>
         </p:txBody>
       </p:sp>
       <p:pic>
         <p:nvPicPr>
-          <p:cNvPr id="5" name="Content Placeholder 4"/>
+          <p:cNvPr id="8" name="Content Placeholder 7"/>
           <p:cNvPicPr>
             <a:picLocks noGrp="1" noChangeAspect="1"/>
           </p:cNvPicPr>
@@ -3247,34 +3481,39 @@
         </p:blipFill>
         <p:spPr>
           <a:xfrm>
-            <a:off x="838200" y="1690688"/>
-            <a:ext cx="5181600" cy="3523487"/>
+            <a:off x="838199" y="1825625"/>
+            <a:ext cx="4699715" cy="4302048"/>
           </a:xfrm>
         </p:spPr>
       </p:pic>
-      <p:sp>
-        <p:nvSpPr>
-          <p:cNvPr id="4" name="Content Placeholder 3"/>
-          <p:cNvSpPr>
-            <a:spLocks noGrp="1"/>
-          </p:cNvSpPr>
-          <p:nvPr>
-            <p:ph sz="half" idx="2"/>
-          </p:nvPr>
-        </p:nvSpPr>
-        <p:spPr/>
-        <p:txBody>
-          <a:bodyPr/>
-          <a:lstStyle/>
-          <a:p>
-            <a:endParaRPr lang="en-US" dirty="0"/>
-          </a:p>
-        </p:txBody>
-      </p:sp>
+      <p:pic>
+        <p:nvPicPr>
+          <p:cNvPr id="3" name="Picture 2"/>
+          <p:cNvPicPr>
+            <a:picLocks noChangeAspect="1"/>
+          </p:cNvPicPr>
+          <p:nvPr/>
+        </p:nvPicPr>
+        <p:blipFill>
+          <a:blip r:embed="rId3"/>
+          <a:stretch>
+            <a:fillRect/>
+          </a:stretch>
+        </p:blipFill>
+        <p:spPr>
+          <a:xfrm>
+            <a:off x="838198" y="1379161"/>
+            <a:ext cx="4699715" cy="5244266"/>
+          </a:xfrm>
+          <a:prstGeom prst="rect">
+            <a:avLst/>
+          </a:prstGeom>
+        </p:spPr>
+      </p:pic>
     </p:spTree>
     <p:extLst>
       <p:ext uri="{BB962C8B-B14F-4D97-AF65-F5344CB8AC3E}">
-        <p14:creationId xmlns:p14="http://schemas.microsoft.com/office/powerpoint/2010/main" val="3399844259"/>
+        <p14:creationId xmlns:p14="http://schemas.microsoft.com/office/powerpoint/2010/main" val="3586243086"/>
       </p:ext>
     </p:extLst>
   </p:cSld>
@@ -3317,10 +3556,9 @@
           <a:lstStyle/>
           <a:p>
             <a:r>
-              <a:rPr lang="en-US" dirty="0" smtClean="0"/>
+              <a:rPr lang="en-US" dirty="0"/>
               <a:t>DIREKTORI SEBELUM MENJALANKAN PROGRAM</a:t>
             </a:r>
-            <a:endParaRPr lang="en-US" dirty="0"/>
           </a:p>
         </p:txBody>
       </p:sp>
@@ -3340,30 +3578,29 @@
           <a:lstStyle/>
           <a:p>
             <a:r>
-              <a:rPr lang="en-US" dirty="0" err="1" smtClean="0"/>
+              <a:rPr lang="en-US" dirty="0" err="1"/>
               <a:t>Belum</a:t>
             </a:r>
             <a:r>
-              <a:rPr lang="en-US" dirty="0" smtClean="0"/>
+              <a:rPr lang="en-US" dirty="0"/>
               <a:t> </a:t>
             </a:r>
             <a:r>
-              <a:rPr lang="en-US" dirty="0" err="1" smtClean="0"/>
+              <a:rPr lang="en-US" dirty="0" err="1"/>
               <a:t>terdapat</a:t>
             </a:r>
             <a:r>
-              <a:rPr lang="en-US" dirty="0" smtClean="0"/>
+              <a:rPr lang="en-US" dirty="0"/>
               <a:t> file yang </a:t>
             </a:r>
             <a:r>
-              <a:rPr lang="en-US" dirty="0" err="1" smtClean="0"/>
+              <a:rPr lang="en-US" dirty="0" err="1"/>
               <a:t>diunduh</a:t>
             </a:r>
             <a:r>
-              <a:rPr lang="en-US" dirty="0" smtClean="0"/>
+              <a:rPr lang="en-US" dirty="0"/>
               <a:t> client.</a:t>
             </a:r>
-            <a:endParaRPr lang="en-US" dirty="0"/>
           </a:p>
         </p:txBody>
       </p:sp>
@@ -3442,10 +3679,9 @@
           <a:lstStyle/>
           <a:p>
             <a:r>
-              <a:rPr lang="en-US" dirty="0" smtClean="0"/>
+              <a:rPr lang="en-US" dirty="0"/>
               <a:t>FILE YANG AKAN DIDOWNLOAD</a:t>
             </a:r>
-            <a:endParaRPr lang="en-US" dirty="0"/>
           </a:p>
         </p:txBody>
       </p:sp>
@@ -3494,50 +3730,49 @@
           <a:lstStyle/>
           <a:p>
             <a:r>
-              <a:rPr lang="en-US" dirty="0" smtClean="0"/>
+              <a:rPr lang="en-US" dirty="0"/>
               <a:t>Isi </a:t>
             </a:r>
             <a:r>
-              <a:rPr lang="en-US" dirty="0" err="1" smtClean="0"/>
+              <a:rPr lang="en-US" dirty="0" err="1"/>
               <a:t>dari</a:t>
             </a:r>
             <a:r>
-              <a:rPr lang="en-US" dirty="0" smtClean="0"/>
+              <a:rPr lang="en-US" dirty="0"/>
               <a:t> mytext.txt yang </a:t>
             </a:r>
             <a:r>
-              <a:rPr lang="en-US" dirty="0" err="1" smtClean="0"/>
+              <a:rPr lang="en-US" dirty="0" err="1"/>
               <a:t>nantinya</a:t>
             </a:r>
             <a:r>
-              <a:rPr lang="en-US" dirty="0" smtClean="0"/>
+              <a:rPr lang="en-US" dirty="0"/>
               <a:t> </a:t>
             </a:r>
             <a:r>
-              <a:rPr lang="en-US" dirty="0" err="1" smtClean="0"/>
+              <a:rPr lang="en-US" dirty="0" err="1"/>
               <a:t>akan</a:t>
             </a:r>
             <a:r>
-              <a:rPr lang="en-US" dirty="0" smtClean="0"/>
+              <a:rPr lang="en-US" dirty="0"/>
               <a:t> </a:t>
             </a:r>
             <a:r>
-              <a:rPr lang="en-US" dirty="0" err="1" smtClean="0"/>
+              <a:rPr lang="en-US" dirty="0" err="1"/>
               <a:t>diunduh</a:t>
             </a:r>
             <a:r>
-              <a:rPr lang="en-US" dirty="0" smtClean="0"/>
+              <a:rPr lang="en-US" dirty="0"/>
               <a:t> </a:t>
             </a:r>
             <a:r>
-              <a:rPr lang="en-US" dirty="0" err="1" smtClean="0"/>
+              <a:rPr lang="en-US" dirty="0" err="1"/>
               <a:t>oleh</a:t>
             </a:r>
             <a:r>
-              <a:rPr lang="en-US" dirty="0" smtClean="0"/>
+              <a:rPr lang="en-US" dirty="0"/>
               <a:t> client. </a:t>
             </a:r>
-            <a:endParaRPr lang="en-US" dirty="0"/>
           </a:p>
         </p:txBody>
       </p:sp>
@@ -3587,10 +3822,9 @@
           <a:lstStyle/>
           <a:p>
             <a:r>
-              <a:rPr lang="en-US" dirty="0" smtClean="0"/>
+              <a:rPr lang="en-US" dirty="0"/>
               <a:t>MENJALANKAN PROGRAM</a:t>
             </a:r>
-            <a:endParaRPr lang="en-US" dirty="0"/>
           </a:p>
         </p:txBody>
       </p:sp>
@@ -3641,230 +3875,229 @@
           <a:lstStyle/>
           <a:p>
             <a:r>
-              <a:rPr lang="en-US" dirty="0" err="1" smtClean="0"/>
+              <a:rPr lang="en-US" dirty="0" err="1"/>
               <a:t>Baris</a:t>
             </a:r>
             <a:r>
-              <a:rPr lang="en-US" dirty="0" smtClean="0"/>
+              <a:rPr lang="en-US" dirty="0"/>
               <a:t> ke-1, </a:t>
             </a:r>
             <a:r>
-              <a:rPr lang="en-US" dirty="0" err="1" smtClean="0"/>
+              <a:rPr lang="en-US" dirty="0" err="1"/>
               <a:t>menunggu</a:t>
             </a:r>
             <a:r>
-              <a:rPr lang="en-US" dirty="0" smtClean="0"/>
+              <a:rPr lang="en-US" dirty="0"/>
               <a:t> </a:t>
             </a:r>
             <a:r>
-              <a:rPr lang="en-US" dirty="0" err="1" smtClean="0"/>
+              <a:rPr lang="en-US" dirty="0" err="1"/>
               <a:t>koneksi</a:t>
             </a:r>
             <a:r>
-              <a:rPr lang="en-US" dirty="0" smtClean="0"/>
+              <a:rPr lang="en-US" dirty="0"/>
               <a:t> client.</a:t>
             </a:r>
           </a:p>
           <a:p>
             <a:r>
-              <a:rPr lang="en-US" dirty="0" err="1" smtClean="0"/>
+              <a:rPr lang="en-US" dirty="0" err="1"/>
               <a:t>Baris</a:t>
             </a:r>
             <a:r>
-              <a:rPr lang="en-US" dirty="0" smtClean="0"/>
+              <a:rPr lang="en-US" dirty="0"/>
               <a:t> ke-2, </a:t>
             </a:r>
             <a:r>
-              <a:rPr lang="en-US" dirty="0" err="1" smtClean="0"/>
+              <a:rPr lang="en-US" dirty="0" err="1"/>
               <a:t>ada</a:t>
             </a:r>
             <a:r>
-              <a:rPr lang="en-US" dirty="0" smtClean="0"/>
+              <a:rPr lang="en-US" dirty="0"/>
               <a:t> </a:t>
             </a:r>
             <a:r>
-              <a:rPr lang="en-US" dirty="0" err="1" smtClean="0"/>
+              <a:rPr lang="en-US" dirty="0" err="1"/>
               <a:t>koneksi</a:t>
             </a:r>
             <a:r>
-              <a:rPr lang="en-US" dirty="0" smtClean="0"/>
+              <a:rPr lang="en-US" dirty="0"/>
               <a:t> </a:t>
             </a:r>
             <a:r>
-              <a:rPr lang="en-US" dirty="0" err="1" smtClean="0"/>
+              <a:rPr lang="en-US" dirty="0" err="1"/>
               <a:t>masuk</a:t>
             </a:r>
             <a:r>
-              <a:rPr lang="en-US" dirty="0" smtClean="0"/>
+              <a:rPr lang="en-US" dirty="0"/>
               <a:t> </a:t>
             </a:r>
             <a:r>
-              <a:rPr lang="en-US" dirty="0" err="1" smtClean="0"/>
+              <a:rPr lang="en-US" dirty="0" err="1"/>
               <a:t>dari</a:t>
             </a:r>
             <a:r>
-              <a:rPr lang="en-US" dirty="0" smtClean="0"/>
+              <a:rPr lang="en-US" dirty="0"/>
               <a:t> client.</a:t>
             </a:r>
           </a:p>
           <a:p>
             <a:r>
-              <a:rPr lang="en-US" dirty="0" err="1" smtClean="0"/>
+              <a:rPr lang="en-US" dirty="0" err="1"/>
               <a:t>Baris</a:t>
             </a:r>
             <a:r>
-              <a:rPr lang="en-US" dirty="0" smtClean="0"/>
+              <a:rPr lang="en-US" dirty="0"/>
               <a:t> ke-3, client </a:t>
             </a:r>
             <a:r>
-              <a:rPr lang="en-US" dirty="0" err="1" smtClean="0"/>
+              <a:rPr lang="en-US" dirty="0" err="1"/>
               <a:t>mengirim</a:t>
             </a:r>
             <a:r>
-              <a:rPr lang="en-US" dirty="0" smtClean="0"/>
+              <a:rPr lang="en-US" dirty="0"/>
               <a:t> </a:t>
             </a:r>
             <a:r>
-              <a:rPr lang="en-US" dirty="0" err="1" smtClean="0"/>
+              <a:rPr lang="en-US" dirty="0" err="1"/>
               <a:t>pesan</a:t>
             </a:r>
             <a:r>
-              <a:rPr lang="en-US" dirty="0" smtClean="0"/>
+              <a:rPr lang="en-US" dirty="0"/>
               <a:t> </a:t>
             </a:r>
             <a:r>
-              <a:rPr lang="en-US" dirty="0" err="1" smtClean="0"/>
+              <a:rPr lang="en-US" dirty="0" err="1"/>
               <a:t>untuk</a:t>
             </a:r>
             <a:r>
-              <a:rPr lang="en-US" dirty="0" smtClean="0"/>
+              <a:rPr lang="en-US" dirty="0"/>
               <a:t> </a:t>
             </a:r>
             <a:r>
-              <a:rPr lang="en-US" dirty="0" err="1" smtClean="0"/>
+              <a:rPr lang="en-US" dirty="0" err="1"/>
               <a:t>menandakan</a:t>
             </a:r>
             <a:r>
-              <a:rPr lang="en-US" dirty="0" smtClean="0"/>
+              <a:rPr lang="en-US" dirty="0"/>
               <a:t> </a:t>
             </a:r>
             <a:r>
-              <a:rPr lang="en-US" dirty="0" err="1" smtClean="0"/>
+              <a:rPr lang="en-US" dirty="0" err="1"/>
               <a:t>koneksi</a:t>
             </a:r>
             <a:r>
-              <a:rPr lang="en-US" dirty="0" smtClean="0"/>
+              <a:rPr lang="en-US" dirty="0"/>
               <a:t> </a:t>
             </a:r>
             <a:r>
-              <a:rPr lang="en-US" dirty="0" err="1" smtClean="0"/>
+              <a:rPr lang="en-US" dirty="0" err="1"/>
               <a:t>berhasil</a:t>
             </a:r>
             <a:r>
-              <a:rPr lang="en-US" dirty="0" smtClean="0"/>
+              <a:rPr lang="en-US" dirty="0"/>
               <a:t>.</a:t>
             </a:r>
           </a:p>
           <a:p>
             <a:r>
-              <a:rPr lang="en-US" dirty="0" err="1" smtClean="0"/>
+              <a:rPr lang="en-US" dirty="0" err="1"/>
               <a:t>Baris</a:t>
             </a:r>
             <a:r>
-              <a:rPr lang="en-US" dirty="0" smtClean="0"/>
+              <a:rPr lang="en-US" dirty="0"/>
               <a:t> ke-4, server </a:t>
             </a:r>
             <a:r>
-              <a:rPr lang="en-US" dirty="0" err="1" smtClean="0"/>
+              <a:rPr lang="en-US" dirty="0" err="1"/>
               <a:t>mengirim</a:t>
             </a:r>
             <a:r>
-              <a:rPr lang="en-US" dirty="0" smtClean="0"/>
+              <a:rPr lang="en-US" dirty="0"/>
               <a:t> file </a:t>
             </a:r>
             <a:r>
-              <a:rPr lang="en-US" dirty="0" err="1" smtClean="0"/>
+              <a:rPr lang="en-US" dirty="0" err="1"/>
               <a:t>ke</a:t>
             </a:r>
             <a:r>
-              <a:rPr lang="en-US" dirty="0" smtClean="0"/>
+              <a:rPr lang="en-US" dirty="0"/>
               <a:t> client </a:t>
             </a:r>
             <a:r>
-              <a:rPr lang="en-US" dirty="0" err="1" smtClean="0"/>
+              <a:rPr lang="en-US" dirty="0" err="1"/>
               <a:t>dan</a:t>
             </a:r>
             <a:r>
-              <a:rPr lang="en-US" dirty="0" smtClean="0"/>
+              <a:rPr lang="en-US" dirty="0"/>
               <a:t> </a:t>
             </a:r>
             <a:r>
-              <a:rPr lang="en-US" dirty="0" err="1" smtClean="0"/>
+              <a:rPr lang="en-US" dirty="0" err="1"/>
               <a:t>menampilkan</a:t>
             </a:r>
             <a:r>
-              <a:rPr lang="en-US" dirty="0" smtClean="0"/>
+              <a:rPr lang="en-US" dirty="0"/>
               <a:t> </a:t>
             </a:r>
             <a:r>
-              <a:rPr lang="en-US" dirty="0" err="1" smtClean="0"/>
+              <a:rPr lang="en-US" dirty="0" err="1"/>
               <a:t>isi</a:t>
             </a:r>
             <a:r>
-              <a:rPr lang="en-US" dirty="0" smtClean="0"/>
+              <a:rPr lang="en-US" dirty="0"/>
               <a:t> </a:t>
             </a:r>
             <a:r>
-              <a:rPr lang="en-US" dirty="0" err="1" smtClean="0"/>
+              <a:rPr lang="en-US" dirty="0" err="1"/>
               <a:t>dari</a:t>
             </a:r>
             <a:r>
-              <a:rPr lang="en-US" dirty="0" smtClean="0"/>
+              <a:rPr lang="en-US" dirty="0"/>
               <a:t> file di </a:t>
             </a:r>
             <a:r>
-              <a:rPr lang="en-US" dirty="0" err="1" smtClean="0"/>
+              <a:rPr lang="en-US" dirty="0" err="1"/>
               <a:t>layar</a:t>
             </a:r>
             <a:r>
-              <a:rPr lang="en-US" dirty="0" smtClean="0"/>
+              <a:rPr lang="en-US" dirty="0"/>
               <a:t>.</a:t>
             </a:r>
           </a:p>
           <a:p>
             <a:r>
-              <a:rPr lang="en-US" dirty="0" err="1" smtClean="0"/>
+              <a:rPr lang="en-US" dirty="0" err="1"/>
               <a:t>Baris</a:t>
             </a:r>
             <a:r>
-              <a:rPr lang="en-US" dirty="0" smtClean="0"/>
+              <a:rPr lang="en-US" dirty="0"/>
               <a:t> ke-5, </a:t>
             </a:r>
             <a:r>
-              <a:rPr lang="en-US" dirty="0" err="1" smtClean="0"/>
+              <a:rPr lang="en-US" dirty="0" err="1"/>
               <a:t>menandakan</a:t>
             </a:r>
             <a:r>
-              <a:rPr lang="en-US" dirty="0" smtClean="0"/>
+              <a:rPr lang="en-US" dirty="0"/>
               <a:t> proses </a:t>
             </a:r>
             <a:r>
-              <a:rPr lang="en-US" dirty="0" err="1" smtClean="0"/>
+              <a:rPr lang="en-US" dirty="0" err="1"/>
               <a:t>pengiriman</a:t>
             </a:r>
             <a:r>
-              <a:rPr lang="en-US" dirty="0" smtClean="0"/>
+              <a:rPr lang="en-US" dirty="0"/>
               <a:t> </a:t>
             </a:r>
             <a:r>
-              <a:rPr lang="en-US" dirty="0" err="1" smtClean="0"/>
+              <a:rPr lang="en-US" dirty="0" err="1"/>
               <a:t>sukses</a:t>
             </a:r>
             <a:r>
-              <a:rPr lang="en-US" dirty="0" smtClean="0"/>
+              <a:rPr lang="en-US" dirty="0"/>
               <a:t>.</a:t>
             </a:r>
-            <a:endParaRPr lang="en-US" dirty="0"/>
           </a:p>
         </p:txBody>
       </p:sp>
@@ -3914,10 +4147,9 @@
           <a:lstStyle/>
           <a:p>
             <a:r>
-              <a:rPr lang="en-US" dirty="0" smtClean="0"/>
+              <a:rPr lang="en-US" dirty="0"/>
               <a:t>DIREKTORI SETELAH MENJALANKAN PROGRAM</a:t>
             </a:r>
-            <a:endParaRPr lang="en-US" dirty="0"/>
           </a:p>
         </p:txBody>
       </p:sp>
@@ -3966,70 +4198,69 @@
           <a:lstStyle/>
           <a:p>
             <a:r>
-              <a:rPr lang="en-US" dirty="0" err="1" smtClean="0"/>
+              <a:rPr lang="en-US" dirty="0" err="1"/>
               <a:t>Terdapat</a:t>
             </a:r>
             <a:r>
-              <a:rPr lang="en-US" dirty="0" smtClean="0"/>
+              <a:rPr lang="en-US" dirty="0"/>
               <a:t> file </a:t>
             </a:r>
             <a:r>
-              <a:rPr lang="en-US" dirty="0" err="1" smtClean="0"/>
+              <a:rPr lang="en-US" dirty="0" err="1"/>
               <a:t>baru</a:t>
             </a:r>
             <a:r>
-              <a:rPr lang="en-US" dirty="0" smtClean="0"/>
+              <a:rPr lang="en-US" dirty="0"/>
               <a:t> </a:t>
             </a:r>
             <a:r>
-              <a:rPr lang="en-US" dirty="0" err="1" smtClean="0"/>
+              <a:rPr lang="en-US" dirty="0" err="1"/>
               <a:t>bernama</a:t>
             </a:r>
             <a:r>
-              <a:rPr lang="en-US" dirty="0" smtClean="0"/>
+              <a:rPr lang="en-US" dirty="0"/>
               <a:t> “</a:t>
             </a:r>
             <a:r>
-              <a:rPr lang="en-US" dirty="0" err="1" smtClean="0"/>
+              <a:rPr lang="en-US" dirty="0" err="1"/>
               <a:t>file_download</a:t>
             </a:r>
             <a:r>
-              <a:rPr lang="en-US" dirty="0" smtClean="0"/>
+              <a:rPr lang="en-US" dirty="0"/>
               <a:t>” yang </a:t>
             </a:r>
             <a:r>
-              <a:rPr lang="en-US" dirty="0" err="1" smtClean="0"/>
+              <a:rPr lang="en-US" dirty="0" err="1"/>
               <a:t>merupakan</a:t>
             </a:r>
             <a:r>
-              <a:rPr lang="en-US" dirty="0" smtClean="0"/>
+              <a:rPr lang="en-US" dirty="0"/>
               <a:t> </a:t>
             </a:r>
             <a:r>
-              <a:rPr lang="en-US" dirty="0" err="1" smtClean="0"/>
+              <a:rPr lang="en-US" dirty="0" err="1"/>
               <a:t>hasil</a:t>
             </a:r>
             <a:r>
-              <a:rPr lang="en-US" dirty="0" smtClean="0"/>
+              <a:rPr lang="en-US" dirty="0"/>
               <a:t> </a:t>
             </a:r>
             <a:r>
-              <a:rPr lang="en-US" dirty="0" err="1" smtClean="0"/>
+              <a:rPr lang="en-US" dirty="0" err="1"/>
               <a:t>unduh</a:t>
             </a:r>
             <a:r>
-              <a:rPr lang="en-US" dirty="0" smtClean="0"/>
+              <a:rPr lang="en-US" dirty="0"/>
               <a:t> </a:t>
             </a:r>
             <a:r>
-              <a:rPr lang="en-US" dirty="0" err="1" smtClean="0"/>
+              <a:rPr lang="en-US" dirty="0" err="1"/>
               <a:t>dari</a:t>
             </a:r>
             <a:r>
-              <a:rPr lang="en-US" dirty="0" smtClean="0"/>
+              <a:rPr lang="en-US" dirty="0"/>
               <a:t> client.</a:t>
             </a:r>
-            <a:endParaRPr lang="en-US" dirty="0"/>
           </a:p>
         </p:txBody>
       </p:sp>
@@ -4085,10 +4316,9 @@
           <a:p>
             <a:pPr algn="ctr"/>
             <a:r>
-              <a:rPr lang="en-US" sz="9600" dirty="0" smtClean="0"/>
+              <a:rPr lang="en-US" sz="9600" dirty="0"/>
               <a:t>MATUR NUWUN</a:t>
             </a:r>
-            <a:endParaRPr lang="en-US" sz="9600" dirty="0"/>
           </a:p>
         </p:txBody>
       </p:sp>

--- a/TUGAS PROTOKOL.pptx
+++ b/TUGAS PROTOKOL.pptx
@@ -6,13 +6,23 @@
   </p:sldMasterIdLst>
   <p:sldIdLst>
     <p:sldId id="256" r:id="rId2"/>
-    <p:sldId id="258" r:id="rId3"/>
-    <p:sldId id="257" r:id="rId4"/>
-    <p:sldId id="260" r:id="rId5"/>
-    <p:sldId id="262" r:id="rId6"/>
-    <p:sldId id="259" r:id="rId7"/>
-    <p:sldId id="261" r:id="rId8"/>
-    <p:sldId id="263" r:id="rId9"/>
+    <p:sldId id="272" r:id="rId3"/>
+    <p:sldId id="273" r:id="rId4"/>
+    <p:sldId id="274" r:id="rId5"/>
+    <p:sldId id="275" r:id="rId6"/>
+    <p:sldId id="264" r:id="rId7"/>
+    <p:sldId id="265" r:id="rId8"/>
+    <p:sldId id="266" r:id="rId9"/>
+    <p:sldId id="267" r:id="rId10"/>
+    <p:sldId id="268" r:id="rId11"/>
+    <p:sldId id="269" r:id="rId12"/>
+    <p:sldId id="258" r:id="rId13"/>
+    <p:sldId id="257" r:id="rId14"/>
+    <p:sldId id="260" r:id="rId15"/>
+    <p:sldId id="262" r:id="rId16"/>
+    <p:sldId id="259" r:id="rId17"/>
+    <p:sldId id="261" r:id="rId18"/>
+    <p:sldId id="263" r:id="rId19"/>
   </p:sldIdLst>
   <p:sldSz cx="12192000" cy="6858000"/>
   <p:notesSz cx="6858000" cy="9144000"/>
@@ -248,7 +258,7 @@
           <a:p>
             <a:fld id="{EE60F8FA-9017-4CCD-A487-44DD51B54819}" type="datetimeFigureOut">
               <a:rPr lang="en-US" smtClean="0"/>
-              <a:t>10/18/2016</a:t>
+              <a:t>10/25/2016</a:t>
             </a:fld>
             <a:endParaRPr lang="en-US"/>
           </a:p>
@@ -416,7 +426,7 @@
           <a:p>
             <a:fld id="{EE60F8FA-9017-4CCD-A487-44DD51B54819}" type="datetimeFigureOut">
               <a:rPr lang="en-US" smtClean="0"/>
-              <a:t>10/18/2016</a:t>
+              <a:t>10/25/2016</a:t>
             </a:fld>
             <a:endParaRPr lang="en-US"/>
           </a:p>
@@ -594,7 +604,7 @@
           <a:p>
             <a:fld id="{EE60F8FA-9017-4CCD-A487-44DD51B54819}" type="datetimeFigureOut">
               <a:rPr lang="en-US" smtClean="0"/>
-              <a:t>10/18/2016</a:t>
+              <a:t>10/25/2016</a:t>
             </a:fld>
             <a:endParaRPr lang="en-US"/>
           </a:p>
@@ -762,7 +772,7 @@
           <a:p>
             <a:fld id="{EE60F8FA-9017-4CCD-A487-44DD51B54819}" type="datetimeFigureOut">
               <a:rPr lang="en-US" smtClean="0"/>
-              <a:t>10/18/2016</a:t>
+              <a:t>10/25/2016</a:t>
             </a:fld>
             <a:endParaRPr lang="en-US"/>
           </a:p>
@@ -1007,7 +1017,7 @@
           <a:p>
             <a:fld id="{EE60F8FA-9017-4CCD-A487-44DD51B54819}" type="datetimeFigureOut">
               <a:rPr lang="en-US" smtClean="0"/>
-              <a:t>10/18/2016</a:t>
+              <a:t>10/25/2016</a:t>
             </a:fld>
             <a:endParaRPr lang="en-US"/>
           </a:p>
@@ -1236,7 +1246,7 @@
           <a:p>
             <a:fld id="{EE60F8FA-9017-4CCD-A487-44DD51B54819}" type="datetimeFigureOut">
               <a:rPr lang="en-US" smtClean="0"/>
-              <a:t>10/18/2016</a:t>
+              <a:t>10/25/2016</a:t>
             </a:fld>
             <a:endParaRPr lang="en-US"/>
           </a:p>
@@ -1600,7 +1610,7 @@
           <a:p>
             <a:fld id="{EE60F8FA-9017-4CCD-A487-44DD51B54819}" type="datetimeFigureOut">
               <a:rPr lang="en-US" smtClean="0"/>
-              <a:t>10/18/2016</a:t>
+              <a:t>10/25/2016</a:t>
             </a:fld>
             <a:endParaRPr lang="en-US"/>
           </a:p>
@@ -1717,7 +1727,7 @@
           <a:p>
             <a:fld id="{EE60F8FA-9017-4CCD-A487-44DD51B54819}" type="datetimeFigureOut">
               <a:rPr lang="en-US" smtClean="0"/>
-              <a:t>10/18/2016</a:t>
+              <a:t>10/25/2016</a:t>
             </a:fld>
             <a:endParaRPr lang="en-US"/>
           </a:p>
@@ -1812,7 +1822,7 @@
           <a:p>
             <a:fld id="{EE60F8FA-9017-4CCD-A487-44DD51B54819}" type="datetimeFigureOut">
               <a:rPr lang="en-US" smtClean="0"/>
-              <a:t>10/18/2016</a:t>
+              <a:t>10/25/2016</a:t>
             </a:fld>
             <a:endParaRPr lang="en-US"/>
           </a:p>
@@ -2087,7 +2097,7 @@
           <a:p>
             <a:fld id="{EE60F8FA-9017-4CCD-A487-44DD51B54819}" type="datetimeFigureOut">
               <a:rPr lang="en-US" smtClean="0"/>
-              <a:t>10/18/2016</a:t>
+              <a:t>10/25/2016</a:t>
             </a:fld>
             <a:endParaRPr lang="en-US"/>
           </a:p>
@@ -2339,7 +2349,7 @@
           <a:p>
             <a:fld id="{EE60F8FA-9017-4CCD-A487-44DD51B54819}" type="datetimeFigureOut">
               <a:rPr lang="en-US" smtClean="0"/>
-              <a:t>10/18/2016</a:t>
+              <a:t>10/25/2016</a:t>
             </a:fld>
             <a:endParaRPr lang="en-US"/>
           </a:p>
@@ -2560,7 +2570,7 @@
           <a:p>
             <a:fld id="{EE60F8FA-9017-4CCD-A487-44DD51B54819}" type="datetimeFigureOut">
               <a:rPr lang="en-US" smtClean="0"/>
-              <a:t>10/18/2016</a:t>
+              <a:t>10/25/2016</a:t>
             </a:fld>
             <a:endParaRPr lang="en-US"/>
           </a:p>
@@ -2987,8 +2997,13 @@
           <a:p>
             <a:r>
               <a:rPr lang="en-US" dirty="0"/>
-              <a:t>TUGAS PROTOKOL</a:t>
-            </a:r>
+              <a:t>TUGAS </a:t>
+            </a:r>
+            <a:r>
+              <a:rPr lang="en-US" dirty="0" smtClean="0"/>
+              <a:t>PROTOKOL FTP</a:t>
+            </a:r>
+            <a:endParaRPr lang="en-US" dirty="0"/>
           </a:p>
         </p:txBody>
       </p:sp>
@@ -3061,11 +3076,196 @@
   <p:clrMapOvr>
     <a:masterClrMapping/>
   </p:clrMapOvr>
+  <p:timing>
+    <p:tnLst>
+      <p:par>
+        <p:cTn id="1" dur="indefinite" restart="never" nodeType="tmRoot"/>
+      </p:par>
+    </p:tnLst>
+  </p:timing>
 </p:sld>
 </file>
 
-<file path=ppt/slides/slide2.xml><?xml version="1.0" encoding="utf-8"?>
+<file path=ppt/slides/slide10.xml><?xml version="1.0" encoding="utf-8"?>
 <p:sld xmlns:a="http://schemas.openxmlformats.org/drawingml/2006/main" xmlns:r="http://schemas.openxmlformats.org/officeDocument/2006/relationships" xmlns:p="http://schemas.openxmlformats.org/presentationml/2006/main">
+  <p:cSld>
+    <p:spTree>
+      <p:nvGrpSpPr>
+        <p:cNvPr id="1" name=""/>
+        <p:cNvGrpSpPr/>
+        <p:nvPr/>
+      </p:nvGrpSpPr>
+      <p:grpSpPr>
+        <a:xfrm>
+          <a:off x="0" y="0"/>
+          <a:ext cx="0" cy="0"/>
+          <a:chOff x="0" y="0"/>
+          <a:chExt cx="0" cy="0"/>
+        </a:xfrm>
+      </p:grpSpPr>
+      <p:sp>
+        <p:nvSpPr>
+          <p:cNvPr id="2" name="Title 1"/>
+          <p:cNvSpPr>
+            <a:spLocks noGrp="1"/>
+          </p:cNvSpPr>
+          <p:nvPr>
+            <p:ph type="title"/>
+          </p:nvPr>
+        </p:nvSpPr>
+        <p:spPr/>
+        <p:txBody>
+          <a:bodyPr/>
+          <a:lstStyle/>
+          <a:p>
+            <a:r>
+              <a:rPr lang="en-US" dirty="0" smtClean="0"/>
+              <a:t>LOGIN HANDLE</a:t>
+            </a:r>
+            <a:endParaRPr lang="en-US" dirty="0"/>
+          </a:p>
+        </p:txBody>
+      </p:sp>
+      <p:pic>
+        <p:nvPicPr>
+          <p:cNvPr id="5" name="Content Placeholder 4"/>
+          <p:cNvPicPr>
+            <a:picLocks noGrp="1" noChangeAspect="1"/>
+          </p:cNvPicPr>
+          <p:nvPr>
+            <p:ph sz="half" idx="1"/>
+          </p:nvPr>
+        </p:nvPicPr>
+        <p:blipFill>
+          <a:blip r:embed="rId2">
+            <a:extLst>
+              <a:ext uri="{28A0092B-C50C-407E-A947-70E740481C1C}">
+                <a14:useLocalDpi xmlns:a14="http://schemas.microsoft.com/office/drawing/2010/main" val="0"/>
+              </a:ext>
+            </a:extLst>
+          </a:blip>
+          <a:stretch>
+            <a:fillRect/>
+          </a:stretch>
+        </p:blipFill>
+        <p:spPr>
+          <a:xfrm>
+            <a:off x="838200" y="2230022"/>
+            <a:ext cx="10515600" cy="2850613"/>
+          </a:xfrm>
+        </p:spPr>
+      </p:pic>
+    </p:spTree>
+    <p:extLst>
+      <p:ext uri="{BB962C8B-B14F-4D97-AF65-F5344CB8AC3E}">
+        <p14:creationId xmlns:p14="http://schemas.microsoft.com/office/powerpoint/2010/main" val="101151217"/>
+      </p:ext>
+    </p:extLst>
+  </p:cSld>
+  <p:clrMapOvr>
+    <a:masterClrMapping/>
+  </p:clrMapOvr>
+  <p:timing>
+    <p:tnLst>
+      <p:par>
+        <p:cTn id="1" dur="indefinite" restart="never" nodeType="tmRoot"/>
+      </p:par>
+    </p:tnLst>
+  </p:timing>
+</p:sld>
+</file>
+
+<file path=ppt/slides/slide11.xml><?xml version="1.0" encoding="utf-8"?>
+<p:sld xmlns:a="http://schemas.openxmlformats.org/drawingml/2006/main" xmlns:r="http://schemas.openxmlformats.org/officeDocument/2006/relationships" xmlns:p="http://schemas.openxmlformats.org/presentationml/2006/main">
+  <p:cSld>
+    <p:spTree>
+      <p:nvGrpSpPr>
+        <p:cNvPr id="1" name=""/>
+        <p:cNvGrpSpPr/>
+        <p:nvPr/>
+      </p:nvGrpSpPr>
+      <p:grpSpPr>
+        <a:xfrm>
+          <a:off x="0" y="0"/>
+          <a:ext cx="0" cy="0"/>
+          <a:chOff x="0" y="0"/>
+          <a:chExt cx="0" cy="0"/>
+        </a:xfrm>
+      </p:grpSpPr>
+      <p:sp>
+        <p:nvSpPr>
+          <p:cNvPr id="2" name="Title 1"/>
+          <p:cNvSpPr>
+            <a:spLocks noGrp="1"/>
+          </p:cNvSpPr>
+          <p:nvPr>
+            <p:ph type="title"/>
+          </p:nvPr>
+        </p:nvSpPr>
+        <p:spPr/>
+        <p:txBody>
+          <a:bodyPr/>
+          <a:lstStyle/>
+          <a:p>
+            <a:r>
+              <a:rPr lang="en-US" dirty="0" smtClean="0"/>
+              <a:t>MAIN</a:t>
+            </a:r>
+            <a:endParaRPr lang="en-US" dirty="0"/>
+          </a:p>
+        </p:txBody>
+      </p:sp>
+      <p:pic>
+        <p:nvPicPr>
+          <p:cNvPr id="5" name="Content Placeholder 4"/>
+          <p:cNvPicPr>
+            <a:picLocks noGrp="1" noChangeAspect="1"/>
+          </p:cNvPicPr>
+          <p:nvPr>
+            <p:ph sz="half" idx="2"/>
+          </p:nvPr>
+        </p:nvPicPr>
+        <p:blipFill>
+          <a:blip r:embed="rId2">
+            <a:extLst>
+              <a:ext uri="{28A0092B-C50C-407E-A947-70E740481C1C}">
+                <a14:useLocalDpi xmlns:a14="http://schemas.microsoft.com/office/drawing/2010/main" val="0"/>
+              </a:ext>
+            </a:extLst>
+          </a:blip>
+          <a:stretch>
+            <a:fillRect/>
+          </a:stretch>
+        </p:blipFill>
+        <p:spPr>
+          <a:xfrm>
+            <a:off x="3195041" y="1690688"/>
+            <a:ext cx="5098953" cy="4685245"/>
+          </a:xfrm>
+        </p:spPr>
+      </p:pic>
+    </p:spTree>
+    <p:extLst>
+      <p:ext uri="{BB962C8B-B14F-4D97-AF65-F5344CB8AC3E}">
+        <p14:creationId xmlns:p14="http://schemas.microsoft.com/office/powerpoint/2010/main" val="2576656650"/>
+      </p:ext>
+    </p:extLst>
+  </p:cSld>
+  <p:clrMapOvr>
+    <a:masterClrMapping/>
+  </p:clrMapOvr>
+  <p:timing>
+    <p:tnLst>
+      <p:par>
+        <p:cTn id="1" dur="indefinite" restart="never" nodeType="tmRoot"/>
+      </p:par>
+    </p:tnLst>
+  </p:timing>
+</p:sld>
+</file>
+
+<file path=ppt/slides/slide12.xml><?xml version="1.0" encoding="utf-8"?>
+<p:sld xmlns:a="http://schemas.openxmlformats.org/drawingml/2006/main" xmlns:r="http://schemas.openxmlformats.org/officeDocument/2006/relationships" xmlns:p="http://schemas.openxmlformats.org/presentationml/2006/main" show="0">
   <p:cSld>
     <p:spTree>
       <p:nvGrpSpPr>
@@ -3312,11 +3512,26 @@
   <p:clrMapOvr>
     <a:masterClrMapping/>
   </p:clrMapOvr>
+  <mc:AlternateContent xmlns:mc="http://schemas.openxmlformats.org/markup-compatibility/2006" xmlns:p14="http://schemas.microsoft.com/office/powerpoint/2010/main">
+    <mc:Choice Requires="p14">
+      <p:transition spd="slow" p14:dur="2000"/>
+    </mc:Choice>
+    <mc:Fallback xmlns="">
+      <p:transition spd="slow"/>
+    </mc:Fallback>
+  </mc:AlternateContent>
+  <p:timing>
+    <p:tnLst>
+      <p:par>
+        <p:cTn id="1" dur="indefinite" restart="never" nodeType="tmRoot"/>
+      </p:par>
+    </p:tnLst>
+  </p:timing>
 </p:sld>
 </file>
 
-<file path=ppt/slides/slide3.xml><?xml version="1.0" encoding="utf-8"?>
-<p:sld xmlns:a="http://schemas.openxmlformats.org/drawingml/2006/main" xmlns:r="http://schemas.openxmlformats.org/officeDocument/2006/relationships" xmlns:p="http://schemas.openxmlformats.org/presentationml/2006/main">
+<file path=ppt/slides/slide13.xml><?xml version="1.0" encoding="utf-8"?>
+<p:sld xmlns:a="http://schemas.openxmlformats.org/drawingml/2006/main" xmlns:r="http://schemas.openxmlformats.org/officeDocument/2006/relationships" xmlns:p="http://schemas.openxmlformats.org/presentationml/2006/main" show="0">
   <p:cSld>
     <p:spTree>
       <p:nvGrpSpPr>
@@ -3520,11 +3735,19 @@
   <p:clrMapOvr>
     <a:masterClrMapping/>
   </p:clrMapOvr>
+  <mc:AlternateContent xmlns:mc="http://schemas.openxmlformats.org/markup-compatibility/2006" xmlns:p14="http://schemas.microsoft.com/office/powerpoint/2010/main">
+    <mc:Choice Requires="p14">
+      <p:transition spd="slow" p14:dur="2000"/>
+    </mc:Choice>
+    <mc:Fallback xmlns="">
+      <p:transition spd="slow"/>
+    </mc:Fallback>
+  </mc:AlternateContent>
 </p:sld>
 </file>
 
-<file path=ppt/slides/slide4.xml><?xml version="1.0" encoding="utf-8"?>
-<p:sld xmlns:a="http://schemas.openxmlformats.org/drawingml/2006/main" xmlns:r="http://schemas.openxmlformats.org/officeDocument/2006/relationships" xmlns:p="http://schemas.openxmlformats.org/presentationml/2006/main">
+<file path=ppt/slides/slide14.xml><?xml version="1.0" encoding="utf-8"?>
+<p:sld xmlns:a="http://schemas.openxmlformats.org/drawingml/2006/main" xmlns:r="http://schemas.openxmlformats.org/officeDocument/2006/relationships" xmlns:p="http://schemas.openxmlformats.org/presentationml/2006/main" show="0">
   <p:cSld>
     <p:spTree>
       <p:nvGrpSpPr>
@@ -3643,6 +3866,1994 @@
   <p:clrMapOvr>
     <a:masterClrMapping/>
   </p:clrMapOvr>
+  <mc:AlternateContent xmlns:mc="http://schemas.openxmlformats.org/markup-compatibility/2006" xmlns:p14="http://schemas.microsoft.com/office/powerpoint/2010/main">
+    <mc:Choice Requires="p14">
+      <p:transition spd="slow" p14:dur="2000"/>
+    </mc:Choice>
+    <mc:Fallback xmlns="">
+      <p:transition spd="slow"/>
+    </mc:Fallback>
+  </mc:AlternateContent>
+</p:sld>
+</file>
+
+<file path=ppt/slides/slide15.xml><?xml version="1.0" encoding="utf-8"?>
+<p:sld xmlns:a="http://schemas.openxmlformats.org/drawingml/2006/main" xmlns:r="http://schemas.openxmlformats.org/officeDocument/2006/relationships" xmlns:p="http://schemas.openxmlformats.org/presentationml/2006/main" show="0">
+  <p:cSld>
+    <p:spTree>
+      <p:nvGrpSpPr>
+        <p:cNvPr id="1" name=""/>
+        <p:cNvGrpSpPr/>
+        <p:nvPr/>
+      </p:nvGrpSpPr>
+      <p:grpSpPr>
+        <a:xfrm>
+          <a:off x="0" y="0"/>
+          <a:ext cx="0" cy="0"/>
+          <a:chOff x="0" y="0"/>
+          <a:chExt cx="0" cy="0"/>
+        </a:xfrm>
+      </p:grpSpPr>
+      <p:sp>
+        <p:nvSpPr>
+          <p:cNvPr id="2" name="Title 1"/>
+          <p:cNvSpPr>
+            <a:spLocks noGrp="1"/>
+          </p:cNvSpPr>
+          <p:nvPr>
+            <p:ph type="title"/>
+          </p:nvPr>
+        </p:nvSpPr>
+        <p:spPr/>
+        <p:txBody>
+          <a:bodyPr/>
+          <a:lstStyle/>
+          <a:p>
+            <a:r>
+              <a:rPr lang="en-US" dirty="0"/>
+              <a:t>FILE YANG AKAN DIDOWNLOAD</a:t>
+            </a:r>
+          </a:p>
+        </p:txBody>
+      </p:sp>
+      <p:pic>
+        <p:nvPicPr>
+          <p:cNvPr id="5" name="Content Placeholder 4"/>
+          <p:cNvPicPr>
+            <a:picLocks noGrp="1" noChangeAspect="1"/>
+          </p:cNvPicPr>
+          <p:nvPr>
+            <p:ph sz="half" idx="1"/>
+          </p:nvPr>
+        </p:nvPicPr>
+        <p:blipFill>
+          <a:blip r:embed="rId2">
+            <a:extLst>
+              <a:ext uri="{28A0092B-C50C-407E-A947-70E740481C1C}">
+                <a14:useLocalDpi xmlns:a14="http://schemas.microsoft.com/office/drawing/2010/main" val="0"/>
+              </a:ext>
+            </a:extLst>
+          </a:blip>
+          <a:stretch>
+            <a:fillRect/>
+          </a:stretch>
+        </p:blipFill>
+        <p:spPr>
+          <a:xfrm>
+            <a:off x="838200" y="1690688"/>
+            <a:ext cx="5181600" cy="1633144"/>
+          </a:xfrm>
+        </p:spPr>
+      </p:pic>
+      <p:sp>
+        <p:nvSpPr>
+          <p:cNvPr id="4" name="Content Placeholder 3"/>
+          <p:cNvSpPr>
+            <a:spLocks noGrp="1"/>
+          </p:cNvSpPr>
+          <p:nvPr>
+            <p:ph sz="half" idx="2"/>
+          </p:nvPr>
+        </p:nvSpPr>
+        <p:spPr/>
+        <p:txBody>
+          <a:bodyPr/>
+          <a:lstStyle/>
+          <a:p>
+            <a:r>
+              <a:rPr lang="en-US" dirty="0"/>
+              <a:t>Isi </a:t>
+            </a:r>
+            <a:r>
+              <a:rPr lang="en-US" dirty="0" err="1"/>
+              <a:t>dari</a:t>
+            </a:r>
+            <a:r>
+              <a:rPr lang="en-US" dirty="0"/>
+              <a:t> mytext.txt yang </a:t>
+            </a:r>
+            <a:r>
+              <a:rPr lang="en-US" dirty="0" err="1"/>
+              <a:t>nantinya</a:t>
+            </a:r>
+            <a:r>
+              <a:rPr lang="en-US" dirty="0"/>
+              <a:t> </a:t>
+            </a:r>
+            <a:r>
+              <a:rPr lang="en-US" dirty="0" err="1"/>
+              <a:t>akan</a:t>
+            </a:r>
+            <a:r>
+              <a:rPr lang="en-US" dirty="0"/>
+              <a:t> </a:t>
+            </a:r>
+            <a:r>
+              <a:rPr lang="en-US" dirty="0" err="1"/>
+              <a:t>diunduh</a:t>
+            </a:r>
+            <a:r>
+              <a:rPr lang="en-US" dirty="0"/>
+              <a:t> </a:t>
+            </a:r>
+            <a:r>
+              <a:rPr lang="en-US" dirty="0" err="1"/>
+              <a:t>oleh</a:t>
+            </a:r>
+            <a:r>
+              <a:rPr lang="en-US" dirty="0"/>
+              <a:t> client. </a:t>
+            </a:r>
+          </a:p>
+        </p:txBody>
+      </p:sp>
+    </p:spTree>
+    <p:extLst>
+      <p:ext uri="{BB962C8B-B14F-4D97-AF65-F5344CB8AC3E}">
+        <p14:creationId xmlns:p14="http://schemas.microsoft.com/office/powerpoint/2010/main" val="1399546051"/>
+      </p:ext>
+    </p:extLst>
+  </p:cSld>
+  <p:clrMapOvr>
+    <a:masterClrMapping/>
+  </p:clrMapOvr>
+  <mc:AlternateContent xmlns:mc="http://schemas.openxmlformats.org/markup-compatibility/2006" xmlns:p14="http://schemas.microsoft.com/office/powerpoint/2010/main">
+    <mc:Choice Requires="p14">
+      <p:transition spd="slow" p14:dur="2000"/>
+    </mc:Choice>
+    <mc:Fallback xmlns="">
+      <p:transition spd="slow"/>
+    </mc:Fallback>
+  </mc:AlternateContent>
+</p:sld>
+</file>
+
+<file path=ppt/slides/slide16.xml><?xml version="1.0" encoding="utf-8"?>
+<p:sld xmlns:a="http://schemas.openxmlformats.org/drawingml/2006/main" xmlns:r="http://schemas.openxmlformats.org/officeDocument/2006/relationships" xmlns:p="http://schemas.openxmlformats.org/presentationml/2006/main" show="0">
+  <p:cSld>
+    <p:spTree>
+      <p:nvGrpSpPr>
+        <p:cNvPr id="1" name=""/>
+        <p:cNvGrpSpPr/>
+        <p:nvPr/>
+      </p:nvGrpSpPr>
+      <p:grpSpPr>
+        <a:xfrm>
+          <a:off x="0" y="0"/>
+          <a:ext cx="0" cy="0"/>
+          <a:chOff x="0" y="0"/>
+          <a:chExt cx="0" cy="0"/>
+        </a:xfrm>
+      </p:grpSpPr>
+      <p:sp>
+        <p:nvSpPr>
+          <p:cNvPr id="2" name="Title 1"/>
+          <p:cNvSpPr>
+            <a:spLocks noGrp="1"/>
+          </p:cNvSpPr>
+          <p:nvPr>
+            <p:ph type="title"/>
+          </p:nvPr>
+        </p:nvSpPr>
+        <p:spPr/>
+        <p:txBody>
+          <a:bodyPr/>
+          <a:lstStyle/>
+          <a:p>
+            <a:r>
+              <a:rPr lang="en-US" dirty="0"/>
+              <a:t>MENJALANKAN PROGRAM</a:t>
+            </a:r>
+          </a:p>
+        </p:txBody>
+      </p:sp>
+      <p:pic>
+        <p:nvPicPr>
+          <p:cNvPr id="5" name="Content Placeholder 4"/>
+          <p:cNvPicPr>
+            <a:picLocks noGrp="1" noChangeAspect="1"/>
+          </p:cNvPicPr>
+          <p:nvPr>
+            <p:ph sz="half" idx="1"/>
+          </p:nvPr>
+        </p:nvPicPr>
+        <p:blipFill>
+          <a:blip r:embed="rId2">
+            <a:extLst>
+              <a:ext uri="{28A0092B-C50C-407E-A947-70E740481C1C}">
+                <a14:useLocalDpi xmlns:a14="http://schemas.microsoft.com/office/drawing/2010/main" val="0"/>
+              </a:ext>
+            </a:extLst>
+          </a:blip>
+          <a:stretch>
+            <a:fillRect/>
+          </a:stretch>
+        </p:blipFill>
+        <p:spPr>
+          <a:xfrm>
+            <a:off x="838200" y="1690688"/>
+            <a:ext cx="5181600" cy="3287158"/>
+          </a:xfrm>
+        </p:spPr>
+      </p:pic>
+      <p:sp>
+        <p:nvSpPr>
+          <p:cNvPr id="4" name="Content Placeholder 3"/>
+          <p:cNvSpPr>
+            <a:spLocks noGrp="1"/>
+          </p:cNvSpPr>
+          <p:nvPr>
+            <p:ph sz="half" idx="2"/>
+          </p:nvPr>
+        </p:nvSpPr>
+        <p:spPr/>
+        <p:txBody>
+          <a:bodyPr>
+            <a:normAutofit fontScale="92500" lnSpcReduction="20000"/>
+          </a:bodyPr>
+          <a:lstStyle/>
+          <a:p>
+            <a:r>
+              <a:rPr lang="en-US" dirty="0" err="1"/>
+              <a:t>Baris</a:t>
+            </a:r>
+            <a:r>
+              <a:rPr lang="en-US" dirty="0"/>
+              <a:t> ke-1, </a:t>
+            </a:r>
+            <a:r>
+              <a:rPr lang="en-US" dirty="0" err="1"/>
+              <a:t>menunggu</a:t>
+            </a:r>
+            <a:r>
+              <a:rPr lang="en-US" dirty="0"/>
+              <a:t> </a:t>
+            </a:r>
+            <a:r>
+              <a:rPr lang="en-US" dirty="0" err="1"/>
+              <a:t>koneksi</a:t>
+            </a:r>
+            <a:r>
+              <a:rPr lang="en-US" dirty="0"/>
+              <a:t> client.</a:t>
+            </a:r>
+          </a:p>
+          <a:p>
+            <a:r>
+              <a:rPr lang="en-US" dirty="0" err="1"/>
+              <a:t>Baris</a:t>
+            </a:r>
+            <a:r>
+              <a:rPr lang="en-US" dirty="0"/>
+              <a:t> ke-2, </a:t>
+            </a:r>
+            <a:r>
+              <a:rPr lang="en-US" dirty="0" err="1"/>
+              <a:t>ada</a:t>
+            </a:r>
+            <a:r>
+              <a:rPr lang="en-US" dirty="0"/>
+              <a:t> </a:t>
+            </a:r>
+            <a:r>
+              <a:rPr lang="en-US" dirty="0" err="1"/>
+              <a:t>koneksi</a:t>
+            </a:r>
+            <a:r>
+              <a:rPr lang="en-US" dirty="0"/>
+              <a:t> </a:t>
+            </a:r>
+            <a:r>
+              <a:rPr lang="en-US" dirty="0" err="1"/>
+              <a:t>masuk</a:t>
+            </a:r>
+            <a:r>
+              <a:rPr lang="en-US" dirty="0"/>
+              <a:t> </a:t>
+            </a:r>
+            <a:r>
+              <a:rPr lang="en-US" dirty="0" err="1"/>
+              <a:t>dari</a:t>
+            </a:r>
+            <a:r>
+              <a:rPr lang="en-US" dirty="0"/>
+              <a:t> client.</a:t>
+            </a:r>
+          </a:p>
+          <a:p>
+            <a:r>
+              <a:rPr lang="en-US" dirty="0" err="1"/>
+              <a:t>Baris</a:t>
+            </a:r>
+            <a:r>
+              <a:rPr lang="en-US" dirty="0"/>
+              <a:t> ke-3, client </a:t>
+            </a:r>
+            <a:r>
+              <a:rPr lang="en-US" dirty="0" err="1"/>
+              <a:t>mengirim</a:t>
+            </a:r>
+            <a:r>
+              <a:rPr lang="en-US" dirty="0"/>
+              <a:t> </a:t>
+            </a:r>
+            <a:r>
+              <a:rPr lang="en-US" dirty="0" err="1"/>
+              <a:t>pesan</a:t>
+            </a:r>
+            <a:r>
+              <a:rPr lang="en-US" dirty="0"/>
+              <a:t> </a:t>
+            </a:r>
+            <a:r>
+              <a:rPr lang="en-US" dirty="0" err="1"/>
+              <a:t>untuk</a:t>
+            </a:r>
+            <a:r>
+              <a:rPr lang="en-US" dirty="0"/>
+              <a:t> </a:t>
+            </a:r>
+            <a:r>
+              <a:rPr lang="en-US" dirty="0" err="1"/>
+              <a:t>menandakan</a:t>
+            </a:r>
+            <a:r>
+              <a:rPr lang="en-US" dirty="0"/>
+              <a:t> </a:t>
+            </a:r>
+            <a:r>
+              <a:rPr lang="en-US" dirty="0" err="1"/>
+              <a:t>koneksi</a:t>
+            </a:r>
+            <a:r>
+              <a:rPr lang="en-US" dirty="0"/>
+              <a:t> </a:t>
+            </a:r>
+            <a:r>
+              <a:rPr lang="en-US" dirty="0" err="1"/>
+              <a:t>berhasil</a:t>
+            </a:r>
+            <a:r>
+              <a:rPr lang="en-US" dirty="0"/>
+              <a:t>.</a:t>
+            </a:r>
+          </a:p>
+          <a:p>
+            <a:r>
+              <a:rPr lang="en-US" dirty="0" err="1"/>
+              <a:t>Baris</a:t>
+            </a:r>
+            <a:r>
+              <a:rPr lang="en-US" dirty="0"/>
+              <a:t> ke-4, server </a:t>
+            </a:r>
+            <a:r>
+              <a:rPr lang="en-US" dirty="0" err="1"/>
+              <a:t>mengirim</a:t>
+            </a:r>
+            <a:r>
+              <a:rPr lang="en-US" dirty="0"/>
+              <a:t> file </a:t>
+            </a:r>
+            <a:r>
+              <a:rPr lang="en-US" dirty="0" err="1"/>
+              <a:t>ke</a:t>
+            </a:r>
+            <a:r>
+              <a:rPr lang="en-US" dirty="0"/>
+              <a:t> client </a:t>
+            </a:r>
+            <a:r>
+              <a:rPr lang="en-US" dirty="0" err="1"/>
+              <a:t>dan</a:t>
+            </a:r>
+            <a:r>
+              <a:rPr lang="en-US" dirty="0"/>
+              <a:t> </a:t>
+            </a:r>
+            <a:r>
+              <a:rPr lang="en-US" dirty="0" err="1"/>
+              <a:t>menampilkan</a:t>
+            </a:r>
+            <a:r>
+              <a:rPr lang="en-US" dirty="0"/>
+              <a:t> </a:t>
+            </a:r>
+            <a:r>
+              <a:rPr lang="en-US" dirty="0" err="1"/>
+              <a:t>isi</a:t>
+            </a:r>
+            <a:r>
+              <a:rPr lang="en-US" dirty="0"/>
+              <a:t> </a:t>
+            </a:r>
+            <a:r>
+              <a:rPr lang="en-US" dirty="0" err="1"/>
+              <a:t>dari</a:t>
+            </a:r>
+            <a:r>
+              <a:rPr lang="en-US" dirty="0"/>
+              <a:t> file di </a:t>
+            </a:r>
+            <a:r>
+              <a:rPr lang="en-US" dirty="0" err="1"/>
+              <a:t>layar</a:t>
+            </a:r>
+            <a:r>
+              <a:rPr lang="en-US" dirty="0"/>
+              <a:t>.</a:t>
+            </a:r>
+          </a:p>
+          <a:p>
+            <a:r>
+              <a:rPr lang="en-US" dirty="0" err="1"/>
+              <a:t>Baris</a:t>
+            </a:r>
+            <a:r>
+              <a:rPr lang="en-US" dirty="0"/>
+              <a:t> ke-5, </a:t>
+            </a:r>
+            <a:r>
+              <a:rPr lang="en-US" dirty="0" err="1"/>
+              <a:t>menandakan</a:t>
+            </a:r>
+            <a:r>
+              <a:rPr lang="en-US" dirty="0"/>
+              <a:t> proses </a:t>
+            </a:r>
+            <a:r>
+              <a:rPr lang="en-US" dirty="0" err="1"/>
+              <a:t>pengiriman</a:t>
+            </a:r>
+            <a:r>
+              <a:rPr lang="en-US" dirty="0"/>
+              <a:t> </a:t>
+            </a:r>
+            <a:r>
+              <a:rPr lang="en-US" dirty="0" err="1"/>
+              <a:t>sukses</a:t>
+            </a:r>
+            <a:r>
+              <a:rPr lang="en-US" dirty="0"/>
+              <a:t>.</a:t>
+            </a:r>
+          </a:p>
+        </p:txBody>
+      </p:sp>
+    </p:spTree>
+    <p:extLst>
+      <p:ext uri="{BB962C8B-B14F-4D97-AF65-F5344CB8AC3E}">
+        <p14:creationId xmlns:p14="http://schemas.microsoft.com/office/powerpoint/2010/main" val="1726673829"/>
+      </p:ext>
+    </p:extLst>
+  </p:cSld>
+  <p:clrMapOvr>
+    <a:masterClrMapping/>
+  </p:clrMapOvr>
+  <mc:AlternateContent xmlns:mc="http://schemas.openxmlformats.org/markup-compatibility/2006" xmlns:p14="http://schemas.microsoft.com/office/powerpoint/2010/main">
+    <mc:Choice Requires="p14">
+      <p:transition spd="slow" p14:dur="2000"/>
+    </mc:Choice>
+    <mc:Fallback xmlns="">
+      <p:transition spd="slow"/>
+    </mc:Fallback>
+  </mc:AlternateContent>
+</p:sld>
+</file>
+
+<file path=ppt/slides/slide17.xml><?xml version="1.0" encoding="utf-8"?>
+<p:sld xmlns:a="http://schemas.openxmlformats.org/drawingml/2006/main" xmlns:r="http://schemas.openxmlformats.org/officeDocument/2006/relationships" xmlns:p="http://schemas.openxmlformats.org/presentationml/2006/main" show="0">
+  <p:cSld>
+    <p:spTree>
+      <p:nvGrpSpPr>
+        <p:cNvPr id="1" name=""/>
+        <p:cNvGrpSpPr/>
+        <p:nvPr/>
+      </p:nvGrpSpPr>
+      <p:grpSpPr>
+        <a:xfrm>
+          <a:off x="0" y="0"/>
+          <a:ext cx="0" cy="0"/>
+          <a:chOff x="0" y="0"/>
+          <a:chExt cx="0" cy="0"/>
+        </a:xfrm>
+      </p:grpSpPr>
+      <p:sp>
+        <p:nvSpPr>
+          <p:cNvPr id="2" name="Title 1"/>
+          <p:cNvSpPr>
+            <a:spLocks noGrp="1"/>
+          </p:cNvSpPr>
+          <p:nvPr>
+            <p:ph type="title"/>
+          </p:nvPr>
+        </p:nvSpPr>
+        <p:spPr/>
+        <p:txBody>
+          <a:bodyPr/>
+          <a:lstStyle/>
+          <a:p>
+            <a:r>
+              <a:rPr lang="en-US" dirty="0"/>
+              <a:t>DIREKTORI SETELAH MENJALANKAN PROGRAM</a:t>
+            </a:r>
+          </a:p>
+        </p:txBody>
+      </p:sp>
+      <p:pic>
+        <p:nvPicPr>
+          <p:cNvPr id="5" name="Content Placeholder 4"/>
+          <p:cNvPicPr>
+            <a:picLocks noGrp="1" noChangeAspect="1"/>
+          </p:cNvPicPr>
+          <p:nvPr>
+            <p:ph sz="half" idx="1"/>
+          </p:nvPr>
+        </p:nvPicPr>
+        <p:blipFill>
+          <a:blip r:embed="rId2">
+            <a:extLst>
+              <a:ext uri="{28A0092B-C50C-407E-A947-70E740481C1C}">
+                <a14:useLocalDpi xmlns:a14="http://schemas.microsoft.com/office/drawing/2010/main" val="0"/>
+              </a:ext>
+            </a:extLst>
+          </a:blip>
+          <a:stretch>
+            <a:fillRect/>
+          </a:stretch>
+        </p:blipFill>
+        <p:spPr>
+          <a:xfrm>
+            <a:off x="838200" y="1825625"/>
+            <a:ext cx="5181600" cy="1350844"/>
+          </a:xfrm>
+        </p:spPr>
+      </p:pic>
+      <p:sp>
+        <p:nvSpPr>
+          <p:cNvPr id="4" name="Content Placeholder 3"/>
+          <p:cNvSpPr>
+            <a:spLocks noGrp="1"/>
+          </p:cNvSpPr>
+          <p:nvPr>
+            <p:ph sz="half" idx="2"/>
+          </p:nvPr>
+        </p:nvSpPr>
+        <p:spPr/>
+        <p:txBody>
+          <a:bodyPr/>
+          <a:lstStyle/>
+          <a:p>
+            <a:r>
+              <a:rPr lang="en-US" dirty="0" err="1"/>
+              <a:t>Terdapat</a:t>
+            </a:r>
+            <a:r>
+              <a:rPr lang="en-US" dirty="0"/>
+              <a:t> file </a:t>
+            </a:r>
+            <a:r>
+              <a:rPr lang="en-US" dirty="0" err="1"/>
+              <a:t>baru</a:t>
+            </a:r>
+            <a:r>
+              <a:rPr lang="en-US" dirty="0"/>
+              <a:t> </a:t>
+            </a:r>
+            <a:r>
+              <a:rPr lang="en-US" dirty="0" err="1"/>
+              <a:t>bernama</a:t>
+            </a:r>
+            <a:r>
+              <a:rPr lang="en-US" dirty="0"/>
+              <a:t> “</a:t>
+            </a:r>
+            <a:r>
+              <a:rPr lang="en-US" dirty="0" err="1"/>
+              <a:t>file_download</a:t>
+            </a:r>
+            <a:r>
+              <a:rPr lang="en-US" dirty="0"/>
+              <a:t>” yang </a:t>
+            </a:r>
+            <a:r>
+              <a:rPr lang="en-US" dirty="0" err="1"/>
+              <a:t>merupakan</a:t>
+            </a:r>
+            <a:r>
+              <a:rPr lang="en-US" dirty="0"/>
+              <a:t> </a:t>
+            </a:r>
+            <a:r>
+              <a:rPr lang="en-US" dirty="0" err="1"/>
+              <a:t>hasil</a:t>
+            </a:r>
+            <a:r>
+              <a:rPr lang="en-US" dirty="0"/>
+              <a:t> </a:t>
+            </a:r>
+            <a:r>
+              <a:rPr lang="en-US" dirty="0" err="1"/>
+              <a:t>unduh</a:t>
+            </a:r>
+            <a:r>
+              <a:rPr lang="en-US" dirty="0"/>
+              <a:t> </a:t>
+            </a:r>
+            <a:r>
+              <a:rPr lang="en-US" dirty="0" err="1"/>
+              <a:t>dari</a:t>
+            </a:r>
+            <a:r>
+              <a:rPr lang="en-US" dirty="0"/>
+              <a:t> client.</a:t>
+            </a:r>
+          </a:p>
+        </p:txBody>
+      </p:sp>
+    </p:spTree>
+    <p:extLst>
+      <p:ext uri="{BB962C8B-B14F-4D97-AF65-F5344CB8AC3E}">
+        <p14:creationId xmlns:p14="http://schemas.microsoft.com/office/powerpoint/2010/main" val="3454290122"/>
+      </p:ext>
+    </p:extLst>
+  </p:cSld>
+  <p:clrMapOvr>
+    <a:masterClrMapping/>
+  </p:clrMapOvr>
+  <mc:AlternateContent xmlns:mc="http://schemas.openxmlformats.org/markup-compatibility/2006" xmlns:p14="http://schemas.microsoft.com/office/powerpoint/2010/main">
+    <mc:Choice Requires="p14">
+      <p:transition spd="slow" p14:dur="2000"/>
+    </mc:Choice>
+    <mc:Fallback xmlns="">
+      <p:transition spd="slow"/>
+    </mc:Fallback>
+  </mc:AlternateContent>
+  <p:timing>
+    <p:tnLst>
+      <p:par>
+        <p:cTn id="1" dur="indefinite" restart="never" nodeType="tmRoot"/>
+      </p:par>
+    </p:tnLst>
+  </p:timing>
+</p:sld>
+</file>
+
+<file path=ppt/slides/slide18.xml><?xml version="1.0" encoding="utf-8"?>
+<p:sld xmlns:a="http://schemas.openxmlformats.org/drawingml/2006/main" xmlns:r="http://schemas.openxmlformats.org/officeDocument/2006/relationships" xmlns:p="http://schemas.openxmlformats.org/presentationml/2006/main">
+  <p:cSld>
+    <p:spTree>
+      <p:nvGrpSpPr>
+        <p:cNvPr id="1" name=""/>
+        <p:cNvGrpSpPr/>
+        <p:nvPr/>
+      </p:nvGrpSpPr>
+      <p:grpSpPr>
+        <a:xfrm>
+          <a:off x="0" y="0"/>
+          <a:ext cx="0" cy="0"/>
+          <a:chOff x="0" y="0"/>
+          <a:chExt cx="0" cy="0"/>
+        </a:xfrm>
+      </p:grpSpPr>
+      <p:sp>
+        <p:nvSpPr>
+          <p:cNvPr id="2" name="Title 1"/>
+          <p:cNvSpPr>
+            <a:spLocks noGrp="1"/>
+          </p:cNvSpPr>
+          <p:nvPr>
+            <p:ph type="title"/>
+          </p:nvPr>
+        </p:nvSpPr>
+        <p:spPr>
+          <a:xfrm>
+            <a:off x="838200" y="365125"/>
+            <a:ext cx="10515600" cy="6125827"/>
+          </a:xfrm>
+        </p:spPr>
+        <p:txBody>
+          <a:bodyPr/>
+          <a:lstStyle/>
+          <a:p>
+            <a:pPr algn="ctr"/>
+            <a:r>
+              <a:rPr lang="en-US" sz="9600" dirty="0"/>
+              <a:t>MATUR NUWUN</a:t>
+            </a:r>
+          </a:p>
+        </p:txBody>
+      </p:sp>
+    </p:spTree>
+    <p:extLst>
+      <p:ext uri="{BB962C8B-B14F-4D97-AF65-F5344CB8AC3E}">
+        <p14:creationId xmlns:p14="http://schemas.microsoft.com/office/powerpoint/2010/main" val="3737675646"/>
+      </p:ext>
+    </p:extLst>
+  </p:cSld>
+  <p:clrMapOvr>
+    <a:masterClrMapping/>
+  </p:clrMapOvr>
+  <p:timing>
+    <p:tnLst>
+      <p:par>
+        <p:cTn id="1" dur="indefinite" restart="never" nodeType="tmRoot"/>
+      </p:par>
+    </p:tnLst>
+  </p:timing>
+</p:sld>
+</file>
+
+<file path=ppt/slides/slide2.xml><?xml version="1.0" encoding="utf-8"?>
+<p:sld xmlns:a="http://schemas.openxmlformats.org/drawingml/2006/main" xmlns:r="http://schemas.openxmlformats.org/officeDocument/2006/relationships" xmlns:p="http://schemas.openxmlformats.org/presentationml/2006/main">
+  <p:cSld>
+    <p:spTree>
+      <p:nvGrpSpPr>
+        <p:cNvPr id="1" name=""/>
+        <p:cNvGrpSpPr/>
+        <p:nvPr/>
+      </p:nvGrpSpPr>
+      <p:grpSpPr>
+        <a:xfrm>
+          <a:off x="0" y="0"/>
+          <a:ext cx="0" cy="0"/>
+          <a:chOff x="0" y="0"/>
+          <a:chExt cx="0" cy="0"/>
+        </a:xfrm>
+      </p:grpSpPr>
+      <p:sp>
+        <p:nvSpPr>
+          <p:cNvPr id="2" name="Title 1"/>
+          <p:cNvSpPr>
+            <a:spLocks noGrp="1"/>
+          </p:cNvSpPr>
+          <p:nvPr>
+            <p:ph type="title"/>
+          </p:nvPr>
+        </p:nvSpPr>
+        <p:spPr/>
+        <p:txBody>
+          <a:bodyPr/>
+          <a:lstStyle/>
+          <a:p>
+            <a:r>
+              <a:rPr lang="en-US" dirty="0" err="1"/>
+              <a:t>Aturan</a:t>
+            </a:r>
+            <a:r>
+              <a:rPr lang="en-US" dirty="0"/>
+              <a:t> </a:t>
+            </a:r>
+            <a:r>
+              <a:rPr lang="en-US" dirty="0" err="1"/>
+              <a:t>Penulisan</a:t>
+            </a:r>
+            <a:r>
+              <a:rPr lang="en-US" dirty="0"/>
+              <a:t> </a:t>
+            </a:r>
+          </a:p>
+        </p:txBody>
+      </p:sp>
+      <p:sp>
+        <p:nvSpPr>
+          <p:cNvPr id="3" name="Content Placeholder 2"/>
+          <p:cNvSpPr>
+            <a:spLocks noGrp="1"/>
+          </p:cNvSpPr>
+          <p:nvPr>
+            <p:ph idx="1"/>
+          </p:nvPr>
+        </p:nvSpPr>
+        <p:spPr>
+          <a:xfrm>
+            <a:off x="838200" y="1825625"/>
+            <a:ext cx="10515600" cy="4787210"/>
+          </a:xfrm>
+        </p:spPr>
+        <p:txBody>
+          <a:bodyPr>
+            <a:normAutofit fontScale="92500" lnSpcReduction="20000"/>
+          </a:bodyPr>
+          <a:lstStyle/>
+          <a:p>
+            <a:r>
+              <a:rPr lang="en-US" dirty="0" err="1"/>
+              <a:t>Perintah</a:t>
+            </a:r>
+            <a:endParaRPr lang="en-US" dirty="0"/>
+          </a:p>
+          <a:p>
+            <a:pPr marL="0" indent="0">
+              <a:buNone/>
+            </a:pPr>
+            <a:endParaRPr lang="en-US" dirty="0"/>
+          </a:p>
+          <a:p>
+            <a:pPr marL="0" indent="0">
+              <a:buNone/>
+            </a:pPr>
+            <a:endParaRPr lang="en-US" dirty="0"/>
+          </a:p>
+          <a:p>
+            <a:pPr marL="0" indent="0">
+              <a:buNone/>
+            </a:pPr>
+            <a:endParaRPr lang="en-US" sz="2000" dirty="0"/>
+          </a:p>
+          <a:p>
+            <a:pPr marL="0" indent="0">
+              <a:buNone/>
+            </a:pPr>
+            <a:r>
+              <a:rPr lang="en-US" sz="2000" dirty="0" err="1"/>
+              <a:t>Contoh</a:t>
+            </a:r>
+            <a:r>
+              <a:rPr lang="en-US" sz="2000" dirty="0"/>
+              <a:t>	: </a:t>
+            </a:r>
+            <a:r>
+              <a:rPr lang="en-US" sz="2000" dirty="0" err="1"/>
+              <a:t>pwd</a:t>
+            </a:r>
+            <a:endParaRPr lang="en-US" sz="2000" dirty="0"/>
+          </a:p>
+          <a:p>
+            <a:pPr marL="0" indent="0">
+              <a:buNone/>
+            </a:pPr>
+            <a:r>
+              <a:rPr lang="en-US" sz="2000" dirty="0"/>
+              <a:t>	  </a:t>
+            </a:r>
+            <a:r>
+              <a:rPr lang="en-US" sz="2000" dirty="0" err="1"/>
+              <a:t>cwd</a:t>
+            </a:r>
+            <a:r>
+              <a:rPr lang="en-US" sz="2000" dirty="0"/>
+              <a:t> /home</a:t>
+            </a:r>
+          </a:p>
+          <a:p>
+            <a:r>
+              <a:rPr lang="en-US" dirty="0" err="1"/>
+              <a:t>Respon</a:t>
+            </a:r>
+            <a:r>
+              <a:rPr lang="en-US" dirty="0"/>
+              <a:t> Server</a:t>
+            </a:r>
+          </a:p>
+          <a:p>
+            <a:endParaRPr lang="en-US" dirty="0"/>
+          </a:p>
+          <a:p>
+            <a:endParaRPr lang="en-US" dirty="0"/>
+          </a:p>
+          <a:p>
+            <a:endParaRPr lang="en-US" dirty="0"/>
+          </a:p>
+          <a:p>
+            <a:pPr marL="0" indent="0">
+              <a:buNone/>
+            </a:pPr>
+            <a:r>
+              <a:rPr lang="en-US" sz="2000" dirty="0" err="1"/>
+              <a:t>Contoh</a:t>
+            </a:r>
+            <a:r>
+              <a:rPr lang="en-US" sz="2000" dirty="0"/>
+              <a:t>	:331 User name okay, need password.</a:t>
+            </a:r>
+          </a:p>
+          <a:p>
+            <a:pPr marL="0" indent="0">
+              <a:buNone/>
+            </a:pPr>
+            <a:r>
+              <a:rPr lang="en-US" sz="2000" dirty="0"/>
+              <a:t>	332 Need account for login.</a:t>
+            </a:r>
+          </a:p>
+          <a:p>
+            <a:pPr marL="0" indent="0">
+              <a:buNone/>
+            </a:pPr>
+            <a:endParaRPr lang="en-US" dirty="0"/>
+          </a:p>
+        </p:txBody>
+      </p:sp>
+      <p:graphicFrame>
+        <p:nvGraphicFramePr>
+          <p:cNvPr id="4" name="Table 3"/>
+          <p:cNvGraphicFramePr>
+            <a:graphicFrameLocks noGrp="1"/>
+          </p:cNvGraphicFramePr>
+          <p:nvPr>
+            <p:extLst/>
+          </p:nvPr>
+        </p:nvGraphicFramePr>
+        <p:xfrm>
+          <a:off x="2230783" y="2309065"/>
+          <a:ext cx="8128001" cy="1005840"/>
+        </p:xfrm>
+        <a:graphic>
+          <a:graphicData uri="http://schemas.openxmlformats.org/drawingml/2006/table">
+            <a:tbl>
+              <a:tblPr firstRow="1" bandRow="1">
+                <a:tableStyleId>{5940675A-B579-460E-94D1-54222C63F5DA}</a:tableStyleId>
+              </a:tblPr>
+              <a:tblGrid>
+                <a:gridCol w="2709333">
+                  <a:extLst>
+                    <a:ext uri="{9D8B030D-6E8A-4147-A177-3AD203B41FA5}">
+                      <a16:colId xmlns="" xmlns:a16="http://schemas.microsoft.com/office/drawing/2014/main" val="2403199674"/>
+                    </a:ext>
+                  </a:extLst>
+                </a:gridCol>
+                <a:gridCol w="1354667">
+                  <a:extLst>
+                    <a:ext uri="{9D8B030D-6E8A-4147-A177-3AD203B41FA5}">
+                      <a16:colId xmlns="" xmlns:a16="http://schemas.microsoft.com/office/drawing/2014/main" val="273753573"/>
+                    </a:ext>
+                  </a:extLst>
+                </a:gridCol>
+                <a:gridCol w="1354667">
+                  <a:extLst>
+                    <a:ext uri="{9D8B030D-6E8A-4147-A177-3AD203B41FA5}">
+                      <a16:colId xmlns="" xmlns:a16="http://schemas.microsoft.com/office/drawing/2014/main" val="611879786"/>
+                    </a:ext>
+                  </a:extLst>
+                </a:gridCol>
+                <a:gridCol w="1354667">
+                  <a:extLst>
+                    <a:ext uri="{9D8B030D-6E8A-4147-A177-3AD203B41FA5}">
+                      <a16:colId xmlns="" xmlns:a16="http://schemas.microsoft.com/office/drawing/2014/main" val="1245482566"/>
+                    </a:ext>
+                  </a:extLst>
+                </a:gridCol>
+                <a:gridCol w="1354667">
+                  <a:extLst>
+                    <a:ext uri="{9D8B030D-6E8A-4147-A177-3AD203B41FA5}">
+                      <a16:colId xmlns="" xmlns:a16="http://schemas.microsoft.com/office/drawing/2014/main" val="1294872632"/>
+                    </a:ext>
+                  </a:extLst>
+                </a:gridCol>
+              </a:tblGrid>
+              <a:tr h="1005840">
+                <a:tc>
+                  <a:txBody>
+                    <a:bodyPr/>
+                    <a:lstStyle/>
+                    <a:p>
+                      <a:pPr algn="ctr"/>
+                      <a:r>
+                        <a:rPr lang="en-US" sz="2000" u="sng" dirty="0" err="1"/>
+                        <a:t>Perintah</a:t>
+                      </a:r>
+                      <a:endParaRPr lang="en-US" sz="2000" u="sng" dirty="0"/>
+                    </a:p>
+                  </a:txBody>
+                  <a:tcPr anchor="ctr"/>
+                </a:tc>
+                <a:tc>
+                  <a:txBody>
+                    <a:bodyPr/>
+                    <a:lstStyle/>
+                    <a:p>
+                      <a:pPr algn="ctr"/>
+                      <a:r>
+                        <a:rPr lang="en-US" sz="2000" b="1" u="none" dirty="0" err="1"/>
+                        <a:t>spasi</a:t>
+                      </a:r>
+                      <a:endParaRPr lang="en-US" sz="2000" b="1" u="none" dirty="0"/>
+                    </a:p>
+                  </a:txBody>
+                  <a:tcPr anchor="ctr"/>
+                </a:tc>
+                <a:tc>
+                  <a:txBody>
+                    <a:bodyPr/>
+                    <a:lstStyle/>
+                    <a:p>
+                      <a:pPr marL="0" marR="0" lvl="0" indent="0" algn="ctr" defTabSz="914400" rtl="0" eaLnBrk="1" fontAlgn="auto" latinLnBrk="0" hangingPunct="1">
+                        <a:lnSpc>
+                          <a:spcPct val="100000"/>
+                        </a:lnSpc>
+                        <a:spcBef>
+                          <a:spcPts val="0"/>
+                        </a:spcBef>
+                        <a:spcAft>
+                          <a:spcPts val="0"/>
+                        </a:spcAft>
+                        <a:buClrTx/>
+                        <a:buSzTx/>
+                        <a:buFontTx/>
+                        <a:buNone/>
+                        <a:tabLst/>
+                        <a:defRPr/>
+                      </a:pPr>
+                      <a:r>
+                        <a:rPr lang="en-US" sz="2000" u="sng" dirty="0"/>
+                        <a:t>[Optional]</a:t>
+                      </a:r>
+                      <a:r>
+                        <a:rPr lang="en-US" sz="2000" u="sng" dirty="0" err="1"/>
+                        <a:t>Argumen</a:t>
+                      </a:r>
+                      <a:r>
+                        <a:rPr lang="en-US" sz="2000" u="sng" dirty="0"/>
+                        <a:t> 1</a:t>
+                      </a:r>
+                    </a:p>
+                    <a:p>
+                      <a:pPr algn="ctr"/>
+                      <a:endParaRPr lang="en-US" sz="2000" u="sng" dirty="0"/>
+                    </a:p>
+                  </a:txBody>
+                  <a:tcPr anchor="ctr"/>
+                </a:tc>
+                <a:tc>
+                  <a:txBody>
+                    <a:bodyPr/>
+                    <a:lstStyle/>
+                    <a:p>
+                      <a:pPr marL="0" marR="0" lvl="0" indent="0" algn="ctr" defTabSz="914400" rtl="0" eaLnBrk="1" fontAlgn="auto" latinLnBrk="0" hangingPunct="1">
+                        <a:lnSpc>
+                          <a:spcPct val="100000"/>
+                        </a:lnSpc>
+                        <a:spcBef>
+                          <a:spcPts val="0"/>
+                        </a:spcBef>
+                        <a:spcAft>
+                          <a:spcPts val="0"/>
+                        </a:spcAft>
+                        <a:buClrTx/>
+                        <a:buSzTx/>
+                        <a:buFontTx/>
+                        <a:buNone/>
+                        <a:tabLst/>
+                        <a:defRPr/>
+                      </a:pPr>
+                      <a:r>
+                        <a:rPr lang="en-US" sz="2000" b="1" u="none" dirty="0" err="1"/>
+                        <a:t>spasi</a:t>
+                      </a:r>
+                      <a:endParaRPr lang="en-US" sz="2000" b="1" u="none" dirty="0"/>
+                    </a:p>
+                  </a:txBody>
+                  <a:tcPr anchor="ctr"/>
+                </a:tc>
+                <a:tc>
+                  <a:txBody>
+                    <a:bodyPr/>
+                    <a:lstStyle/>
+                    <a:p>
+                      <a:pPr marL="0" marR="0" lvl="0" indent="0" algn="ctr" defTabSz="914400" rtl="0" eaLnBrk="1" fontAlgn="auto" latinLnBrk="0" hangingPunct="1">
+                        <a:lnSpc>
+                          <a:spcPct val="100000"/>
+                        </a:lnSpc>
+                        <a:spcBef>
+                          <a:spcPts val="0"/>
+                        </a:spcBef>
+                        <a:spcAft>
+                          <a:spcPts val="0"/>
+                        </a:spcAft>
+                        <a:buClrTx/>
+                        <a:buSzTx/>
+                        <a:buFontTx/>
+                        <a:buNone/>
+                        <a:tabLst/>
+                        <a:defRPr/>
+                      </a:pPr>
+                      <a:r>
+                        <a:rPr lang="en-US" sz="2000" u="sng" dirty="0"/>
+                        <a:t>[Optional]</a:t>
+                      </a:r>
+                      <a:r>
+                        <a:rPr lang="en-US" sz="2000" u="sng" dirty="0" err="1"/>
+                        <a:t>Argumen</a:t>
+                      </a:r>
+                      <a:r>
+                        <a:rPr lang="en-US" sz="2000" u="sng" dirty="0"/>
+                        <a:t> 2</a:t>
+                      </a:r>
+                    </a:p>
+                    <a:p>
+                      <a:pPr algn="ctr"/>
+                      <a:endParaRPr lang="en-US" sz="2000" u="sng" dirty="0"/>
+                    </a:p>
+                  </a:txBody>
+                  <a:tcPr anchor="ctr"/>
+                </a:tc>
+                <a:extLst>
+                  <a:ext uri="{0D108BD9-81ED-4DB2-BD59-A6C34878D82A}">
+                    <a16:rowId xmlns="" xmlns:a16="http://schemas.microsoft.com/office/drawing/2014/main" val="466863026"/>
+                  </a:ext>
+                </a:extLst>
+              </a:tr>
+            </a:tbl>
+          </a:graphicData>
+        </a:graphic>
+      </p:graphicFrame>
+      <p:graphicFrame>
+        <p:nvGraphicFramePr>
+          <p:cNvPr id="7" name="Table 6"/>
+          <p:cNvGraphicFramePr>
+            <a:graphicFrameLocks noGrp="1"/>
+          </p:cNvGraphicFramePr>
+          <p:nvPr>
+            <p:extLst/>
+          </p:nvPr>
+        </p:nvGraphicFramePr>
+        <p:xfrm>
+          <a:off x="2230783" y="4552390"/>
+          <a:ext cx="6489144" cy="822960"/>
+        </p:xfrm>
+        <a:graphic>
+          <a:graphicData uri="http://schemas.openxmlformats.org/drawingml/2006/table">
+            <a:tbl>
+              <a:tblPr firstRow="1" bandRow="1">
+                <a:tableStyleId>{5940675A-B579-460E-94D1-54222C63F5DA}</a:tableStyleId>
+              </a:tblPr>
+              <a:tblGrid>
+                <a:gridCol w="2163048">
+                  <a:extLst>
+                    <a:ext uri="{9D8B030D-6E8A-4147-A177-3AD203B41FA5}">
+                      <a16:colId xmlns="" xmlns:a16="http://schemas.microsoft.com/office/drawing/2014/main" val="3896900246"/>
+                    </a:ext>
+                  </a:extLst>
+                </a:gridCol>
+                <a:gridCol w="2163048">
+                  <a:extLst>
+                    <a:ext uri="{9D8B030D-6E8A-4147-A177-3AD203B41FA5}">
+                      <a16:colId xmlns="" xmlns:a16="http://schemas.microsoft.com/office/drawing/2014/main" val="428733091"/>
+                    </a:ext>
+                  </a:extLst>
+                </a:gridCol>
+                <a:gridCol w="2163048">
+                  <a:extLst>
+                    <a:ext uri="{9D8B030D-6E8A-4147-A177-3AD203B41FA5}">
+                      <a16:colId xmlns="" xmlns:a16="http://schemas.microsoft.com/office/drawing/2014/main" val="2135480228"/>
+                    </a:ext>
+                  </a:extLst>
+                </a:gridCol>
+              </a:tblGrid>
+              <a:tr h="822960">
+                <a:tc>
+                  <a:txBody>
+                    <a:bodyPr/>
+                    <a:lstStyle/>
+                    <a:p>
+                      <a:pPr algn="ctr"/>
+                      <a:r>
+                        <a:rPr lang="en-US" sz="2000" u="sng" dirty="0" err="1"/>
+                        <a:t>Kode</a:t>
+                      </a:r>
+                      <a:r>
+                        <a:rPr lang="en-US" sz="2000" u="sng" dirty="0"/>
+                        <a:t> </a:t>
+                      </a:r>
+                      <a:r>
+                        <a:rPr lang="en-US" sz="2000" u="sng" dirty="0" err="1"/>
+                        <a:t>Respon</a:t>
+                      </a:r>
+                      <a:endParaRPr lang="en-US" sz="2000" u="sng" dirty="0"/>
+                    </a:p>
+                  </a:txBody>
+                  <a:tcPr anchor="ctr"/>
+                </a:tc>
+                <a:tc>
+                  <a:txBody>
+                    <a:bodyPr/>
+                    <a:lstStyle/>
+                    <a:p>
+                      <a:pPr algn="ctr"/>
+                      <a:r>
+                        <a:rPr lang="en-US" sz="2000" b="1" u="none" dirty="0" err="1"/>
+                        <a:t>Spasi</a:t>
+                      </a:r>
+                      <a:endParaRPr lang="en-US" sz="2000" b="1" u="none" dirty="0"/>
+                    </a:p>
+                  </a:txBody>
+                  <a:tcPr anchor="ctr"/>
+                </a:tc>
+                <a:tc>
+                  <a:txBody>
+                    <a:bodyPr/>
+                    <a:lstStyle/>
+                    <a:p>
+                      <a:pPr algn="ctr"/>
+                      <a:r>
+                        <a:rPr lang="en-US" sz="2000" u="sng" dirty="0" err="1"/>
+                        <a:t>Deskripsi</a:t>
+                      </a:r>
+                      <a:r>
+                        <a:rPr lang="en-US" sz="2000" u="sng" dirty="0"/>
+                        <a:t> </a:t>
+                      </a:r>
+                      <a:r>
+                        <a:rPr lang="en-US" sz="2000" u="sng" dirty="0" err="1"/>
+                        <a:t>Respon</a:t>
+                      </a:r>
+                      <a:endParaRPr lang="en-US" sz="2000" u="sng" dirty="0"/>
+                    </a:p>
+                  </a:txBody>
+                  <a:tcPr anchor="ctr"/>
+                </a:tc>
+                <a:extLst>
+                  <a:ext uri="{0D108BD9-81ED-4DB2-BD59-A6C34878D82A}">
+                    <a16:rowId xmlns="" xmlns:a16="http://schemas.microsoft.com/office/drawing/2014/main" val="378693748"/>
+                  </a:ext>
+                </a:extLst>
+              </a:tr>
+            </a:tbl>
+          </a:graphicData>
+        </a:graphic>
+      </p:graphicFrame>
+    </p:spTree>
+    <p:extLst>
+      <p:ext uri="{BB962C8B-B14F-4D97-AF65-F5344CB8AC3E}">
+        <p14:creationId xmlns:p14="http://schemas.microsoft.com/office/powerpoint/2010/main" val="2153464005"/>
+      </p:ext>
+    </p:extLst>
+  </p:cSld>
+  <p:clrMapOvr>
+    <a:masterClrMapping/>
+  </p:clrMapOvr>
+  <p:timing>
+    <p:tnLst>
+      <p:par>
+        <p:cTn id="1" dur="indefinite" restart="never" nodeType="tmRoot"/>
+      </p:par>
+    </p:tnLst>
+  </p:timing>
+</p:sld>
+</file>
+
+<file path=ppt/slides/slide3.xml><?xml version="1.0" encoding="utf-8"?>
+<p:sld xmlns:a="http://schemas.openxmlformats.org/drawingml/2006/main" xmlns:r="http://schemas.openxmlformats.org/officeDocument/2006/relationships" xmlns:p="http://schemas.openxmlformats.org/presentationml/2006/main">
+  <p:cSld>
+    <p:spTree>
+      <p:nvGrpSpPr>
+        <p:cNvPr id="1" name=""/>
+        <p:cNvGrpSpPr/>
+        <p:nvPr/>
+      </p:nvGrpSpPr>
+      <p:grpSpPr>
+        <a:xfrm>
+          <a:off x="0" y="0"/>
+          <a:ext cx="0" cy="0"/>
+          <a:chOff x="0" y="0"/>
+          <a:chExt cx="0" cy="0"/>
+        </a:xfrm>
+      </p:grpSpPr>
+      <p:sp>
+        <p:nvSpPr>
+          <p:cNvPr id="2" name="Title 1"/>
+          <p:cNvSpPr>
+            <a:spLocks noGrp="1"/>
+          </p:cNvSpPr>
+          <p:nvPr>
+            <p:ph type="title"/>
+          </p:nvPr>
+        </p:nvSpPr>
+        <p:spPr/>
+        <p:txBody>
+          <a:bodyPr/>
+          <a:lstStyle/>
+          <a:p>
+            <a:r>
+              <a:rPr lang="en-US" dirty="0" err="1"/>
+              <a:t>Perintah</a:t>
+            </a:r>
+            <a:r>
+              <a:rPr lang="en-US" dirty="0"/>
+              <a:t> </a:t>
+            </a:r>
+            <a:r>
+              <a:rPr lang="en-US" dirty="0" err="1"/>
+              <a:t>Tanpa</a:t>
+            </a:r>
+            <a:r>
+              <a:rPr lang="en-US" dirty="0"/>
+              <a:t> </a:t>
+            </a:r>
+            <a:r>
+              <a:rPr lang="en-US" dirty="0" err="1"/>
+              <a:t>Argumen</a:t>
+            </a:r>
+            <a:endParaRPr lang="en-US" dirty="0"/>
+          </a:p>
+        </p:txBody>
+      </p:sp>
+      <p:sp>
+        <p:nvSpPr>
+          <p:cNvPr id="3" name="Content Placeholder 2"/>
+          <p:cNvSpPr>
+            <a:spLocks noGrp="1"/>
+          </p:cNvSpPr>
+          <p:nvPr>
+            <p:ph idx="1"/>
+          </p:nvPr>
+        </p:nvSpPr>
+        <p:spPr/>
+        <p:txBody>
+          <a:bodyPr>
+            <a:normAutofit fontScale="77500" lnSpcReduction="20000"/>
+          </a:bodyPr>
+          <a:lstStyle/>
+          <a:p>
+            <a:pPr marL="0" indent="0">
+              <a:buNone/>
+            </a:pPr>
+            <a:r>
+              <a:rPr lang="en-US" dirty="0"/>
+              <a:t>list() </a:t>
+            </a:r>
+          </a:p>
+          <a:p>
+            <a:pPr marL="0" indent="0">
+              <a:buNone/>
+            </a:pPr>
+            <a:r>
+              <a:rPr lang="en-US" dirty="0"/>
+              <a:t>	</a:t>
+            </a:r>
+            <a:r>
+              <a:rPr lang="en-US" dirty="0" err="1"/>
+              <a:t>Untuk</a:t>
+            </a:r>
+            <a:r>
+              <a:rPr lang="en-US" dirty="0"/>
+              <a:t> </a:t>
+            </a:r>
+            <a:r>
+              <a:rPr lang="en-US" dirty="0" err="1"/>
+              <a:t>menampilkan</a:t>
+            </a:r>
+            <a:r>
+              <a:rPr lang="en-US" dirty="0"/>
+              <a:t> </a:t>
+            </a:r>
+            <a:r>
+              <a:rPr lang="en-US" dirty="0" err="1"/>
+              <a:t>daftar</a:t>
+            </a:r>
+            <a:r>
+              <a:rPr lang="en-US" dirty="0"/>
+              <a:t> file </a:t>
+            </a:r>
+            <a:r>
+              <a:rPr lang="en-US" dirty="0" err="1"/>
+              <a:t>dalam</a:t>
+            </a:r>
+            <a:r>
+              <a:rPr lang="en-US" dirty="0"/>
+              <a:t> </a:t>
+            </a:r>
+            <a:r>
+              <a:rPr lang="en-US" dirty="0" err="1"/>
+              <a:t>suatu</a:t>
+            </a:r>
+            <a:r>
+              <a:rPr lang="en-US" dirty="0"/>
+              <a:t> </a:t>
+            </a:r>
+            <a:r>
+              <a:rPr lang="en-US" dirty="0" err="1"/>
+              <a:t>direktori</a:t>
+            </a:r>
+            <a:endParaRPr lang="en-US" dirty="0"/>
+          </a:p>
+          <a:p>
+            <a:pPr marL="0" indent="0">
+              <a:buNone/>
+            </a:pPr>
+            <a:r>
+              <a:rPr lang="en-US" dirty="0" err="1"/>
+              <a:t>pwd</a:t>
+            </a:r>
+            <a:r>
+              <a:rPr lang="en-US" dirty="0"/>
+              <a:t>()               </a:t>
+            </a:r>
+          </a:p>
+          <a:p>
+            <a:pPr marL="0" indent="0">
+              <a:buNone/>
+            </a:pPr>
+            <a:r>
+              <a:rPr lang="en-US" dirty="0"/>
+              <a:t>	</a:t>
+            </a:r>
+            <a:r>
+              <a:rPr lang="en-US" dirty="0" err="1"/>
+              <a:t>Mencetak</a:t>
+            </a:r>
+            <a:r>
+              <a:rPr lang="en-US" dirty="0"/>
+              <a:t> </a:t>
+            </a:r>
+            <a:r>
+              <a:rPr lang="en-US" dirty="0" err="1"/>
+              <a:t>Direktori</a:t>
+            </a:r>
+            <a:r>
+              <a:rPr lang="en-US" dirty="0"/>
+              <a:t> </a:t>
+            </a:r>
+            <a:r>
+              <a:rPr lang="en-US" dirty="0" err="1"/>
+              <a:t>sekarang</a:t>
+            </a:r>
+            <a:endParaRPr lang="en-US" dirty="0"/>
+          </a:p>
+          <a:p>
+            <a:pPr marL="0" indent="0">
+              <a:buNone/>
+            </a:pPr>
+            <a:r>
+              <a:rPr lang="en-US" dirty="0" err="1"/>
+              <a:t>cdup</a:t>
+            </a:r>
+            <a:r>
+              <a:rPr lang="en-US" dirty="0"/>
+              <a:t>()</a:t>
+            </a:r>
+          </a:p>
+          <a:p>
+            <a:pPr marL="0" indent="0">
+              <a:buNone/>
+            </a:pPr>
+            <a:r>
+              <a:rPr lang="en-US" dirty="0"/>
+              <a:t>	</a:t>
+            </a:r>
+            <a:r>
+              <a:rPr lang="en-US" dirty="0" err="1"/>
+              <a:t>Berpindah</a:t>
+            </a:r>
+            <a:r>
+              <a:rPr lang="en-US" dirty="0"/>
+              <a:t> </a:t>
+            </a:r>
+            <a:r>
+              <a:rPr lang="en-US" dirty="0" err="1"/>
+              <a:t>ke</a:t>
+            </a:r>
+            <a:r>
+              <a:rPr lang="en-US" dirty="0"/>
+              <a:t> folder </a:t>
+            </a:r>
+            <a:r>
+              <a:rPr lang="en-US" dirty="0" err="1"/>
+              <a:t>awal</a:t>
+            </a:r>
+            <a:endParaRPr lang="en-US" dirty="0"/>
+          </a:p>
+          <a:p>
+            <a:pPr marL="0" indent="0">
+              <a:buNone/>
+            </a:pPr>
+            <a:r>
+              <a:rPr lang="en-US" dirty="0" err="1"/>
+              <a:t>syst</a:t>
+            </a:r>
+            <a:r>
+              <a:rPr lang="en-US" dirty="0"/>
+              <a:t>()</a:t>
+            </a:r>
+          </a:p>
+          <a:p>
+            <a:pPr marL="0" indent="0">
+              <a:buNone/>
+            </a:pPr>
+            <a:r>
+              <a:rPr lang="en-US" dirty="0"/>
+              <a:t>	</a:t>
+            </a:r>
+            <a:r>
+              <a:rPr lang="en-US" dirty="0" err="1"/>
+              <a:t>Menampilkan</a:t>
+            </a:r>
+            <a:r>
+              <a:rPr lang="en-US" dirty="0"/>
+              <a:t> </a:t>
+            </a:r>
+            <a:r>
+              <a:rPr lang="en-US" dirty="0" err="1"/>
+              <a:t>sistem</a:t>
+            </a:r>
+            <a:r>
+              <a:rPr lang="en-US" dirty="0"/>
+              <a:t> </a:t>
+            </a:r>
+            <a:r>
+              <a:rPr lang="en-US" dirty="0" err="1"/>
+              <a:t>operasi</a:t>
+            </a:r>
+            <a:r>
+              <a:rPr lang="en-US" dirty="0"/>
+              <a:t> server yang </a:t>
+            </a:r>
+            <a:r>
+              <a:rPr lang="en-US" dirty="0" err="1"/>
+              <a:t>digunakan</a:t>
+            </a:r>
+            <a:endParaRPr lang="en-US" dirty="0"/>
+          </a:p>
+          <a:p>
+            <a:pPr marL="0" indent="0">
+              <a:buNone/>
+            </a:pPr>
+            <a:r>
+              <a:rPr lang="en-US" dirty="0" err="1"/>
+              <a:t>noop</a:t>
+            </a:r>
+            <a:r>
+              <a:rPr lang="en-US" dirty="0"/>
+              <a:t>()</a:t>
+            </a:r>
+          </a:p>
+          <a:p>
+            <a:pPr marL="0" indent="0">
+              <a:buNone/>
+            </a:pPr>
+            <a:r>
+              <a:rPr lang="en-US" dirty="0"/>
+              <a:t>	</a:t>
+            </a:r>
+            <a:r>
+              <a:rPr lang="en-US" dirty="0" err="1"/>
+              <a:t>Mengetes</a:t>
+            </a:r>
+            <a:r>
+              <a:rPr lang="en-US" dirty="0"/>
+              <a:t> </a:t>
+            </a:r>
+            <a:r>
+              <a:rPr lang="en-US" dirty="0" err="1"/>
+              <a:t>Pengiriman</a:t>
+            </a:r>
+            <a:r>
+              <a:rPr lang="en-US" dirty="0"/>
+              <a:t> data</a:t>
+            </a:r>
+          </a:p>
+          <a:p>
+            <a:pPr marL="0" indent="0">
+              <a:buNone/>
+            </a:pPr>
+            <a:r>
+              <a:rPr lang="en-US" dirty="0"/>
+              <a:t>quit()</a:t>
+            </a:r>
+          </a:p>
+          <a:p>
+            <a:pPr marL="0" indent="0">
+              <a:buNone/>
+            </a:pPr>
+            <a:r>
+              <a:rPr lang="en-US" dirty="0"/>
+              <a:t>	</a:t>
+            </a:r>
+            <a:r>
+              <a:rPr lang="en-US" dirty="0" err="1"/>
+              <a:t>Keluar</a:t>
+            </a:r>
+            <a:r>
+              <a:rPr lang="en-US" dirty="0"/>
+              <a:t> </a:t>
+            </a:r>
+            <a:r>
+              <a:rPr lang="en-US" dirty="0" err="1"/>
+              <a:t>dari</a:t>
+            </a:r>
+            <a:r>
+              <a:rPr lang="en-US" dirty="0"/>
+              <a:t> Server</a:t>
+            </a:r>
+          </a:p>
+          <a:p>
+            <a:pPr marL="0" indent="0">
+              <a:buNone/>
+            </a:pPr>
+            <a:endParaRPr lang="en-US" dirty="0"/>
+          </a:p>
+        </p:txBody>
+      </p:sp>
+    </p:spTree>
+    <p:extLst>
+      <p:ext uri="{BB962C8B-B14F-4D97-AF65-F5344CB8AC3E}">
+        <p14:creationId xmlns:p14="http://schemas.microsoft.com/office/powerpoint/2010/main" val="3439323947"/>
+      </p:ext>
+    </p:extLst>
+  </p:cSld>
+  <p:clrMapOvr>
+    <a:masterClrMapping/>
+  </p:clrMapOvr>
+  <p:timing>
+    <p:tnLst>
+      <p:par>
+        <p:cTn id="1" dur="indefinite" restart="never" nodeType="tmRoot"/>
+      </p:par>
+    </p:tnLst>
+  </p:timing>
+</p:sld>
+</file>
+
+<file path=ppt/slides/slide4.xml><?xml version="1.0" encoding="utf-8"?>
+<p:sld xmlns:a="http://schemas.openxmlformats.org/drawingml/2006/main" xmlns:r="http://schemas.openxmlformats.org/officeDocument/2006/relationships" xmlns:p="http://schemas.openxmlformats.org/presentationml/2006/main">
+  <p:cSld>
+    <p:spTree>
+      <p:nvGrpSpPr>
+        <p:cNvPr id="1" name=""/>
+        <p:cNvGrpSpPr/>
+        <p:nvPr/>
+      </p:nvGrpSpPr>
+      <p:grpSpPr>
+        <a:xfrm>
+          <a:off x="0" y="0"/>
+          <a:ext cx="0" cy="0"/>
+          <a:chOff x="0" y="0"/>
+          <a:chExt cx="0" cy="0"/>
+        </a:xfrm>
+      </p:grpSpPr>
+      <p:sp>
+        <p:nvSpPr>
+          <p:cNvPr id="2" name="Title 1"/>
+          <p:cNvSpPr>
+            <a:spLocks noGrp="1"/>
+          </p:cNvSpPr>
+          <p:nvPr>
+            <p:ph type="title"/>
+          </p:nvPr>
+        </p:nvSpPr>
+        <p:spPr/>
+        <p:txBody>
+          <a:bodyPr/>
+          <a:lstStyle/>
+          <a:p>
+            <a:r>
+              <a:rPr lang="en-US" dirty="0" err="1"/>
+              <a:t>Perintah</a:t>
+            </a:r>
+            <a:r>
+              <a:rPr lang="en-US" dirty="0"/>
+              <a:t> </a:t>
+            </a:r>
+            <a:r>
+              <a:rPr lang="en-US" dirty="0" err="1"/>
+              <a:t>Dengan</a:t>
+            </a:r>
+            <a:r>
+              <a:rPr lang="en-US" dirty="0"/>
+              <a:t> 1 </a:t>
+            </a:r>
+            <a:r>
+              <a:rPr lang="en-US" dirty="0" err="1"/>
+              <a:t>Argumen</a:t>
+            </a:r>
+            <a:endParaRPr lang="en-US" dirty="0"/>
+          </a:p>
+        </p:txBody>
+      </p:sp>
+      <p:sp>
+        <p:nvSpPr>
+          <p:cNvPr id="3" name="Content Placeholder 2"/>
+          <p:cNvSpPr>
+            <a:spLocks noGrp="1"/>
+          </p:cNvSpPr>
+          <p:nvPr>
+            <p:ph idx="1"/>
+          </p:nvPr>
+        </p:nvSpPr>
+        <p:spPr/>
+        <p:txBody>
+          <a:bodyPr>
+            <a:normAutofit fontScale="55000" lnSpcReduction="20000"/>
+          </a:bodyPr>
+          <a:lstStyle/>
+          <a:p>
+            <a:pPr marL="0" indent="0">
+              <a:buNone/>
+            </a:pPr>
+            <a:r>
+              <a:rPr lang="en-US" dirty="0" err="1"/>
+              <a:t>cwd</a:t>
+            </a:r>
+            <a:r>
+              <a:rPr lang="en-US" dirty="0"/>
+              <a:t>(commands[1])               </a:t>
+            </a:r>
+          </a:p>
+          <a:p>
+            <a:pPr marL="0" indent="0">
+              <a:buNone/>
+            </a:pPr>
+            <a:r>
+              <a:rPr lang="en-US" dirty="0"/>
+              <a:t>	</a:t>
+            </a:r>
+            <a:r>
+              <a:rPr lang="en-US" dirty="0" err="1"/>
+              <a:t>Berpindah</a:t>
+            </a:r>
+            <a:r>
+              <a:rPr lang="en-US" dirty="0"/>
+              <a:t> </a:t>
+            </a:r>
+            <a:r>
+              <a:rPr lang="en-US" dirty="0" err="1"/>
+              <a:t>Direktori</a:t>
+            </a:r>
+            <a:r>
+              <a:rPr lang="en-US" dirty="0"/>
+              <a:t> </a:t>
+            </a:r>
+          </a:p>
+          <a:p>
+            <a:pPr marL="0" indent="0">
+              <a:buNone/>
+            </a:pPr>
+            <a:r>
+              <a:rPr lang="en-US" dirty="0"/>
+              <a:t>dele(commands[1])       </a:t>
+            </a:r>
+          </a:p>
+          <a:p>
+            <a:pPr marL="0" indent="0">
+              <a:buNone/>
+            </a:pPr>
+            <a:r>
+              <a:rPr lang="en-US" dirty="0"/>
+              <a:t>	</a:t>
+            </a:r>
+            <a:r>
+              <a:rPr lang="en-US" dirty="0" err="1"/>
+              <a:t>Menghapus</a:t>
+            </a:r>
+            <a:r>
+              <a:rPr lang="en-US" dirty="0"/>
+              <a:t> </a:t>
+            </a:r>
+            <a:r>
+              <a:rPr lang="en-US" dirty="0" err="1"/>
+              <a:t>sebuah</a:t>
+            </a:r>
+            <a:r>
+              <a:rPr lang="en-US" dirty="0"/>
+              <a:t> file</a:t>
+            </a:r>
+          </a:p>
+          <a:p>
+            <a:pPr marL="0" indent="0">
+              <a:buNone/>
+            </a:pPr>
+            <a:r>
+              <a:rPr lang="en-US" dirty="0" err="1"/>
+              <a:t>mkd</a:t>
+            </a:r>
+            <a:r>
+              <a:rPr lang="en-US" dirty="0"/>
+              <a:t>(commands[1])         </a:t>
+            </a:r>
+          </a:p>
+          <a:p>
+            <a:pPr marL="0" indent="0">
+              <a:buNone/>
+            </a:pPr>
+            <a:r>
+              <a:rPr lang="en-US" dirty="0"/>
+              <a:t>	</a:t>
+            </a:r>
+            <a:r>
+              <a:rPr lang="en-US" dirty="0" err="1"/>
+              <a:t>Membuat</a:t>
+            </a:r>
+            <a:r>
+              <a:rPr lang="en-US" dirty="0"/>
+              <a:t> folder</a:t>
+            </a:r>
+          </a:p>
+          <a:p>
+            <a:pPr marL="0" indent="0">
+              <a:buNone/>
+            </a:pPr>
+            <a:r>
+              <a:rPr lang="en-US" dirty="0" err="1"/>
+              <a:t>rmd</a:t>
+            </a:r>
+            <a:r>
+              <a:rPr lang="en-US" dirty="0"/>
+              <a:t>(commands[1])  </a:t>
+            </a:r>
+          </a:p>
+          <a:p>
+            <a:pPr marL="0" indent="0">
+              <a:buNone/>
+            </a:pPr>
+            <a:r>
+              <a:rPr lang="en-US" dirty="0"/>
+              <a:t>	</a:t>
+            </a:r>
+            <a:r>
+              <a:rPr lang="en-US" dirty="0" err="1"/>
+              <a:t>Menghapus</a:t>
+            </a:r>
+            <a:r>
+              <a:rPr lang="en-US" dirty="0"/>
+              <a:t> folder</a:t>
+            </a:r>
+          </a:p>
+          <a:p>
+            <a:pPr marL="0" indent="0">
+              <a:buNone/>
+            </a:pPr>
+            <a:r>
+              <a:rPr lang="en-US" dirty="0" err="1"/>
+              <a:t>retr</a:t>
+            </a:r>
+            <a:r>
+              <a:rPr lang="en-US" dirty="0"/>
+              <a:t>(commands[1])   </a:t>
+            </a:r>
+          </a:p>
+          <a:p>
+            <a:pPr marL="0" indent="0">
+              <a:buNone/>
+            </a:pPr>
+            <a:r>
+              <a:rPr lang="en-US" dirty="0"/>
+              <a:t>	</a:t>
+            </a:r>
+            <a:r>
+              <a:rPr lang="en-US" dirty="0" err="1"/>
+              <a:t>Mendownload</a:t>
+            </a:r>
+            <a:r>
+              <a:rPr lang="en-US" dirty="0"/>
+              <a:t> file </a:t>
+            </a:r>
+            <a:r>
+              <a:rPr lang="en-US" dirty="0" err="1"/>
+              <a:t>dari</a:t>
+            </a:r>
+            <a:r>
+              <a:rPr lang="en-US" dirty="0"/>
+              <a:t> server</a:t>
+            </a:r>
+          </a:p>
+          <a:p>
+            <a:pPr marL="0" indent="0">
+              <a:buNone/>
+            </a:pPr>
+            <a:r>
+              <a:rPr lang="en-US" dirty="0" err="1"/>
+              <a:t>rnfr</a:t>
+            </a:r>
+            <a:r>
+              <a:rPr lang="en-US" dirty="0"/>
+              <a:t>(</a:t>
+            </a:r>
+            <a:r>
+              <a:rPr lang="en-US" dirty="0" err="1"/>
+              <a:t>nama_file</a:t>
+            </a:r>
+            <a:r>
+              <a:rPr lang="en-US" dirty="0"/>
+              <a:t>)</a:t>
+            </a:r>
+          </a:p>
+          <a:p>
+            <a:pPr marL="0" indent="0">
+              <a:buNone/>
+            </a:pPr>
+            <a:r>
+              <a:rPr lang="en-US" dirty="0"/>
+              <a:t>	</a:t>
+            </a:r>
+            <a:r>
+              <a:rPr lang="en-US" dirty="0" err="1"/>
+              <a:t>Merename</a:t>
+            </a:r>
+            <a:r>
+              <a:rPr lang="en-US" dirty="0"/>
+              <a:t> file</a:t>
+            </a:r>
+          </a:p>
+          <a:p>
+            <a:pPr marL="0" indent="0">
+              <a:buNone/>
+            </a:pPr>
+            <a:r>
+              <a:rPr lang="en-US" dirty="0" err="1"/>
+              <a:t>rnto</a:t>
+            </a:r>
+            <a:r>
+              <a:rPr lang="en-US" dirty="0"/>
+              <a:t>(</a:t>
+            </a:r>
+            <a:r>
+              <a:rPr lang="en-US" dirty="0" err="1"/>
+              <a:t>nama_file</a:t>
+            </a:r>
+            <a:r>
+              <a:rPr lang="en-US" dirty="0"/>
+              <a:t>)</a:t>
+            </a:r>
+          </a:p>
+          <a:p>
+            <a:pPr marL="0" indent="0">
+              <a:buNone/>
+            </a:pPr>
+            <a:r>
+              <a:rPr lang="en-US" dirty="0"/>
+              <a:t>	</a:t>
+            </a:r>
+            <a:r>
+              <a:rPr lang="en-US" dirty="0" err="1"/>
+              <a:t>Merename</a:t>
+            </a:r>
+            <a:r>
+              <a:rPr lang="en-US" dirty="0"/>
+              <a:t> file</a:t>
+            </a:r>
+          </a:p>
+          <a:p>
+            <a:pPr marL="0" indent="0">
+              <a:buNone/>
+            </a:pPr>
+            <a:endParaRPr lang="en-US" dirty="0"/>
+          </a:p>
+          <a:p>
+            <a:pPr marL="0" indent="0">
+              <a:buNone/>
+            </a:pPr>
+            <a:endParaRPr lang="en-US" dirty="0"/>
+          </a:p>
+        </p:txBody>
+      </p:sp>
+    </p:spTree>
+    <p:extLst>
+      <p:ext uri="{BB962C8B-B14F-4D97-AF65-F5344CB8AC3E}">
+        <p14:creationId xmlns:p14="http://schemas.microsoft.com/office/powerpoint/2010/main" val="4268472927"/>
+      </p:ext>
+    </p:extLst>
+  </p:cSld>
+  <p:clrMapOvr>
+    <a:masterClrMapping/>
+  </p:clrMapOvr>
+  <p:timing>
+    <p:tnLst>
+      <p:par>
+        <p:cTn id="1" dur="indefinite" restart="never" nodeType="tmRoot"/>
+      </p:par>
+    </p:tnLst>
+  </p:timing>
 </p:sld>
 </file>
 
@@ -3679,71 +5890,69 @@
           <a:lstStyle/>
           <a:p>
             <a:r>
-              <a:rPr lang="en-US" dirty="0"/>
-              <a:t>FILE YANG AKAN DIDOWNLOAD</a:t>
-            </a:r>
-          </a:p>
-        </p:txBody>
-      </p:sp>
-      <p:pic>
-        <p:nvPicPr>
-          <p:cNvPr id="5" name="Content Placeholder 4"/>
-          <p:cNvPicPr>
-            <a:picLocks noGrp="1" noChangeAspect="1"/>
-          </p:cNvPicPr>
-          <p:nvPr>
-            <p:ph sz="half" idx="1"/>
-          </p:nvPr>
-        </p:nvPicPr>
-        <p:blipFill>
-          <a:blip r:embed="rId2">
-            <a:extLst>
-              <a:ext uri="{28A0092B-C50C-407E-A947-70E740481C1C}">
-                <a14:useLocalDpi xmlns:a14="http://schemas.microsoft.com/office/drawing/2010/main" val="0"/>
-              </a:ext>
-            </a:extLst>
-          </a:blip>
-          <a:stretch>
-            <a:fillRect/>
-          </a:stretch>
-        </p:blipFill>
-        <p:spPr>
-          <a:xfrm>
-            <a:off x="838200" y="1690688"/>
-            <a:ext cx="5181600" cy="1633144"/>
-          </a:xfrm>
-        </p:spPr>
-      </p:pic>
-      <p:sp>
-        <p:nvSpPr>
-          <p:cNvPr id="4" name="Content Placeholder 3"/>
-          <p:cNvSpPr>
-            <a:spLocks noGrp="1"/>
-          </p:cNvSpPr>
-          <p:nvPr>
-            <p:ph sz="half" idx="2"/>
+              <a:rPr lang="en-US" dirty="0" err="1"/>
+              <a:t>Perintah</a:t>
+            </a:r>
+            <a:r>
+              <a:rPr lang="en-US" dirty="0"/>
+              <a:t> </a:t>
+            </a:r>
+            <a:r>
+              <a:rPr lang="en-US" dirty="0" err="1"/>
+              <a:t>Dengan</a:t>
+            </a:r>
+            <a:r>
+              <a:rPr lang="en-US" dirty="0"/>
+              <a:t> 2 </a:t>
+            </a:r>
+            <a:r>
+              <a:rPr lang="en-US" dirty="0" err="1"/>
+              <a:t>Argumen</a:t>
+            </a:r>
+            <a:endParaRPr lang="en-US" dirty="0"/>
+          </a:p>
+        </p:txBody>
+      </p:sp>
+      <p:sp>
+        <p:nvSpPr>
+          <p:cNvPr id="3" name="Content Placeholder 2"/>
+          <p:cNvSpPr>
+            <a:spLocks noGrp="1"/>
+          </p:cNvSpPr>
+          <p:nvPr>
+            <p:ph idx="1"/>
           </p:nvPr>
         </p:nvSpPr>
         <p:spPr/>
         <p:txBody>
-          <a:bodyPr/>
-          <a:lstStyle/>
-          <a:p>
-            <a:r>
-              <a:rPr lang="en-US" dirty="0"/>
-              <a:t>Isi </a:t>
-            </a:r>
-            <a:r>
-              <a:rPr lang="en-US" dirty="0" err="1"/>
-              <a:t>dari</a:t>
-            </a:r>
-            <a:r>
-              <a:rPr lang="en-US" dirty="0"/>
-              <a:t> mytext.txt yang </a:t>
-            </a:r>
-            <a:r>
-              <a:rPr lang="en-US" dirty="0" err="1"/>
-              <a:t>nantinya</a:t>
+          <a:bodyPr>
+            <a:normAutofit/>
+          </a:bodyPr>
+          <a:lstStyle/>
+          <a:p>
+            <a:pPr marL="0" indent="0">
+              <a:buNone/>
+            </a:pPr>
+            <a:r>
+              <a:rPr lang="en-US" dirty="0" err="1"/>
+              <a:t>stor</a:t>
+            </a:r>
+            <a:r>
+              <a:rPr lang="en-US" dirty="0"/>
+              <a:t>(commands[1],commands[2])   </a:t>
+            </a:r>
+          </a:p>
+          <a:p>
+            <a:pPr marL="0" indent="0">
+              <a:buNone/>
+            </a:pPr>
+            <a:r>
+              <a:rPr lang="en-US" dirty="0"/>
+              <a:t>	</a:t>
+            </a:r>
+            <a:r>
+              <a:rPr lang="en-US" dirty="0" err="1"/>
+              <a:t>Menyimpan</a:t>
             </a:r>
             <a:r>
               <a:rPr lang="en-US" dirty="0"/>
@@ -3751,41 +5960,46 @@
             </a:r>
             <a:r>
               <a:rPr lang="en-US" dirty="0" err="1"/>
-              <a:t>akan</a:t>
-            </a:r>
-            <a:r>
-              <a:rPr lang="en-US" dirty="0"/>
-              <a:t> </a:t>
-            </a:r>
-            <a:r>
-              <a:rPr lang="en-US" dirty="0" err="1"/>
-              <a:t>diunduh</a:t>
-            </a:r>
-            <a:r>
-              <a:rPr lang="en-US" dirty="0"/>
-              <a:t> </a:t>
-            </a:r>
-            <a:r>
-              <a:rPr lang="en-US" dirty="0" err="1"/>
-              <a:t>oleh</a:t>
-            </a:r>
-            <a:r>
-              <a:rPr lang="en-US" dirty="0"/>
-              <a:t> client. </a:t>
-            </a:r>
+              <a:t>sebuah</a:t>
+            </a:r>
+            <a:r>
+              <a:rPr lang="en-US" dirty="0"/>
+              <a:t> file </a:t>
+            </a:r>
+            <a:r>
+              <a:rPr lang="en-US" dirty="0" err="1"/>
+              <a:t>dalam</a:t>
+            </a:r>
+            <a:r>
+              <a:rPr lang="en-US" dirty="0"/>
+              <a:t> folder server</a:t>
+            </a:r>
+          </a:p>
+          <a:p>
+            <a:pPr marL="0" indent="0">
+              <a:buNone/>
+            </a:pPr>
+            <a:endParaRPr lang="en-US" dirty="0"/>
           </a:p>
         </p:txBody>
       </p:sp>
     </p:spTree>
     <p:extLst>
       <p:ext uri="{BB962C8B-B14F-4D97-AF65-F5344CB8AC3E}">
-        <p14:creationId xmlns:p14="http://schemas.microsoft.com/office/powerpoint/2010/main" val="1399546051"/>
+        <p14:creationId xmlns:p14="http://schemas.microsoft.com/office/powerpoint/2010/main" val="1595958192"/>
       </p:ext>
     </p:extLst>
   </p:cSld>
   <p:clrMapOvr>
     <a:masterClrMapping/>
   </p:clrMapOvr>
+  <p:timing>
+    <p:tnLst>
+      <p:par>
+        <p:cTn id="1" dur="indefinite" restart="never" nodeType="tmRoot"/>
+      </p:par>
+    </p:tnLst>
+  </p:timing>
 </p:sld>
 </file>
 
@@ -3808,7 +6022,7 @@
       </p:grpSpPr>
       <p:sp>
         <p:nvSpPr>
-          <p:cNvPr id="2" name="Title 1"/>
+          <p:cNvPr id="5" name="Title 4"/>
           <p:cNvSpPr>
             <a:spLocks noGrp="1"/>
           </p:cNvSpPr>
@@ -3822,15 +6036,16 @@
           <a:lstStyle/>
           <a:p>
             <a:r>
-              <a:rPr lang="en-US" dirty="0"/>
-              <a:t>MENJALANKAN PROGRAM</a:t>
-            </a:r>
+              <a:rPr lang="en-US" dirty="0" smtClean="0"/>
+              <a:t>PROSES FTP</a:t>
+            </a:r>
+            <a:endParaRPr lang="en-US" dirty="0"/>
           </a:p>
         </p:txBody>
       </p:sp>
       <p:pic>
         <p:nvPicPr>
-          <p:cNvPr id="5" name="Content Placeholder 4"/>
+          <p:cNvPr id="4" name="Content Placeholder 3"/>
           <p:cNvPicPr>
             <a:picLocks noGrp="1" noChangeAspect="1"/>
           </p:cNvPicPr>
@@ -3852,265 +6067,57 @@
         </p:blipFill>
         <p:spPr>
           <a:xfrm>
-            <a:off x="838200" y="1690688"/>
-            <a:ext cx="5181600" cy="3287158"/>
+            <a:off x="1017851" y="1825625"/>
+            <a:ext cx="3895017" cy="4351338"/>
           </a:xfrm>
         </p:spPr>
       </p:pic>
-      <p:sp>
-        <p:nvSpPr>
-          <p:cNvPr id="4" name="Content Placeholder 3"/>
-          <p:cNvSpPr>
-            <a:spLocks noGrp="1"/>
-          </p:cNvSpPr>
+      <p:pic>
+        <p:nvPicPr>
+          <p:cNvPr id="7" name="Content Placeholder 6"/>
+          <p:cNvPicPr>
+            <a:picLocks noGrp="1" noChangeAspect="1"/>
+          </p:cNvPicPr>
           <p:nvPr>
             <p:ph sz="half" idx="2"/>
           </p:nvPr>
-        </p:nvSpPr>
-        <p:spPr/>
-        <p:txBody>
-          <a:bodyPr>
-            <a:normAutofit fontScale="92500" lnSpcReduction="20000"/>
-          </a:bodyPr>
-          <a:lstStyle/>
-          <a:p>
-            <a:r>
-              <a:rPr lang="en-US" dirty="0" err="1"/>
-              <a:t>Baris</a:t>
-            </a:r>
-            <a:r>
-              <a:rPr lang="en-US" dirty="0"/>
-              <a:t> ke-1, </a:t>
-            </a:r>
-            <a:r>
-              <a:rPr lang="en-US" dirty="0" err="1"/>
-              <a:t>menunggu</a:t>
-            </a:r>
-            <a:r>
-              <a:rPr lang="en-US" dirty="0"/>
-              <a:t> </a:t>
-            </a:r>
-            <a:r>
-              <a:rPr lang="en-US" dirty="0" err="1"/>
-              <a:t>koneksi</a:t>
-            </a:r>
-            <a:r>
-              <a:rPr lang="en-US" dirty="0"/>
-              <a:t> client.</a:t>
-            </a:r>
-          </a:p>
-          <a:p>
-            <a:r>
-              <a:rPr lang="en-US" dirty="0" err="1"/>
-              <a:t>Baris</a:t>
-            </a:r>
-            <a:r>
-              <a:rPr lang="en-US" dirty="0"/>
-              <a:t> ke-2, </a:t>
-            </a:r>
-            <a:r>
-              <a:rPr lang="en-US" dirty="0" err="1"/>
-              <a:t>ada</a:t>
-            </a:r>
-            <a:r>
-              <a:rPr lang="en-US" dirty="0"/>
-              <a:t> </a:t>
-            </a:r>
-            <a:r>
-              <a:rPr lang="en-US" dirty="0" err="1"/>
-              <a:t>koneksi</a:t>
-            </a:r>
-            <a:r>
-              <a:rPr lang="en-US" dirty="0"/>
-              <a:t> </a:t>
-            </a:r>
-            <a:r>
-              <a:rPr lang="en-US" dirty="0" err="1"/>
-              <a:t>masuk</a:t>
-            </a:r>
-            <a:r>
-              <a:rPr lang="en-US" dirty="0"/>
-              <a:t> </a:t>
-            </a:r>
-            <a:r>
-              <a:rPr lang="en-US" dirty="0" err="1"/>
-              <a:t>dari</a:t>
-            </a:r>
-            <a:r>
-              <a:rPr lang="en-US" dirty="0"/>
-              <a:t> client.</a:t>
-            </a:r>
-          </a:p>
-          <a:p>
-            <a:r>
-              <a:rPr lang="en-US" dirty="0" err="1"/>
-              <a:t>Baris</a:t>
-            </a:r>
-            <a:r>
-              <a:rPr lang="en-US" dirty="0"/>
-              <a:t> ke-3, client </a:t>
-            </a:r>
-            <a:r>
-              <a:rPr lang="en-US" dirty="0" err="1"/>
-              <a:t>mengirim</a:t>
-            </a:r>
-            <a:r>
-              <a:rPr lang="en-US" dirty="0"/>
-              <a:t> </a:t>
-            </a:r>
-            <a:r>
-              <a:rPr lang="en-US" dirty="0" err="1"/>
-              <a:t>pesan</a:t>
-            </a:r>
-            <a:r>
-              <a:rPr lang="en-US" dirty="0"/>
-              <a:t> </a:t>
-            </a:r>
-            <a:r>
-              <a:rPr lang="en-US" dirty="0" err="1"/>
-              <a:t>untuk</a:t>
-            </a:r>
-            <a:r>
-              <a:rPr lang="en-US" dirty="0"/>
-              <a:t> </a:t>
-            </a:r>
-            <a:r>
-              <a:rPr lang="en-US" dirty="0" err="1"/>
-              <a:t>menandakan</a:t>
-            </a:r>
-            <a:r>
-              <a:rPr lang="en-US" dirty="0"/>
-              <a:t> </a:t>
-            </a:r>
-            <a:r>
-              <a:rPr lang="en-US" dirty="0" err="1"/>
-              <a:t>koneksi</a:t>
-            </a:r>
-            <a:r>
-              <a:rPr lang="en-US" dirty="0"/>
-              <a:t> </a:t>
-            </a:r>
-            <a:r>
-              <a:rPr lang="en-US" dirty="0" err="1"/>
-              <a:t>berhasil</a:t>
-            </a:r>
-            <a:r>
-              <a:rPr lang="en-US" dirty="0"/>
-              <a:t>.</a:t>
-            </a:r>
-          </a:p>
-          <a:p>
-            <a:r>
-              <a:rPr lang="en-US" dirty="0" err="1"/>
-              <a:t>Baris</a:t>
-            </a:r>
-            <a:r>
-              <a:rPr lang="en-US" dirty="0"/>
-              <a:t> ke-4, server </a:t>
-            </a:r>
-            <a:r>
-              <a:rPr lang="en-US" dirty="0" err="1"/>
-              <a:t>mengirim</a:t>
-            </a:r>
-            <a:r>
-              <a:rPr lang="en-US" dirty="0"/>
-              <a:t> file </a:t>
-            </a:r>
-            <a:r>
-              <a:rPr lang="en-US" dirty="0" err="1"/>
-              <a:t>ke</a:t>
-            </a:r>
-            <a:r>
-              <a:rPr lang="en-US" dirty="0"/>
-              <a:t> client </a:t>
-            </a:r>
-            <a:r>
-              <a:rPr lang="en-US" dirty="0" err="1"/>
-              <a:t>dan</a:t>
-            </a:r>
-            <a:r>
-              <a:rPr lang="en-US" dirty="0"/>
-              <a:t> </a:t>
-            </a:r>
-            <a:r>
-              <a:rPr lang="en-US" dirty="0" err="1"/>
-              <a:t>menampilkan</a:t>
-            </a:r>
-            <a:r>
-              <a:rPr lang="en-US" dirty="0"/>
-              <a:t> </a:t>
-            </a:r>
-            <a:r>
-              <a:rPr lang="en-US" dirty="0" err="1"/>
-              <a:t>isi</a:t>
-            </a:r>
-            <a:r>
-              <a:rPr lang="en-US" dirty="0"/>
-              <a:t> </a:t>
-            </a:r>
-            <a:r>
-              <a:rPr lang="en-US" dirty="0" err="1"/>
-              <a:t>dari</a:t>
-            </a:r>
-            <a:r>
-              <a:rPr lang="en-US" dirty="0"/>
-              <a:t> file di </a:t>
-            </a:r>
-            <a:r>
-              <a:rPr lang="en-US" dirty="0" err="1"/>
-              <a:t>layar</a:t>
-            </a:r>
-            <a:r>
-              <a:rPr lang="en-US" dirty="0"/>
-              <a:t>.</a:t>
-            </a:r>
-          </a:p>
-          <a:p>
-            <a:r>
-              <a:rPr lang="en-US" dirty="0" err="1"/>
-              <a:t>Baris</a:t>
-            </a:r>
-            <a:r>
-              <a:rPr lang="en-US" dirty="0"/>
-              <a:t> ke-5, </a:t>
-            </a:r>
-            <a:r>
-              <a:rPr lang="en-US" dirty="0" err="1"/>
-              <a:t>menandakan</a:t>
-            </a:r>
-            <a:r>
-              <a:rPr lang="en-US" dirty="0"/>
-              <a:t> proses </a:t>
-            </a:r>
-            <a:r>
-              <a:rPr lang="en-US" dirty="0" err="1"/>
-              <a:t>pengiriman</a:t>
-            </a:r>
-            <a:r>
-              <a:rPr lang="en-US" dirty="0"/>
-              <a:t> </a:t>
-            </a:r>
-            <a:r>
-              <a:rPr lang="en-US" dirty="0" err="1"/>
-              <a:t>sukses</a:t>
-            </a:r>
-            <a:r>
-              <a:rPr lang="en-US" dirty="0"/>
-              <a:t>.</a:t>
-            </a:r>
-          </a:p>
-        </p:txBody>
-      </p:sp>
+        </p:nvPicPr>
+        <p:blipFill>
+          <a:blip r:embed="rId3">
+            <a:extLst>
+              <a:ext uri="{28A0092B-C50C-407E-A947-70E740481C1C}">
+                <a14:useLocalDpi xmlns:a14="http://schemas.microsoft.com/office/drawing/2010/main" val="0"/>
+              </a:ext>
+            </a:extLst>
+          </a:blip>
+          <a:stretch>
+            <a:fillRect/>
+          </a:stretch>
+        </p:blipFill>
+        <p:spPr>
+          <a:xfrm>
+            <a:off x="5412347" y="1825624"/>
+            <a:ext cx="6064892" cy="2888043"/>
+          </a:xfrm>
+        </p:spPr>
+      </p:pic>
     </p:spTree>
     <p:extLst>
       <p:ext uri="{BB962C8B-B14F-4D97-AF65-F5344CB8AC3E}">
-        <p14:creationId xmlns:p14="http://schemas.microsoft.com/office/powerpoint/2010/main" val="1726673829"/>
+        <p14:creationId xmlns:p14="http://schemas.microsoft.com/office/powerpoint/2010/main" val="1473083108"/>
       </p:ext>
     </p:extLst>
   </p:cSld>
   <p:clrMapOvr>
     <a:masterClrMapping/>
   </p:clrMapOvr>
+  <p:timing>
+    <p:tnLst>
+      <p:par>
+        <p:cTn id="1" dur="indefinite" restart="never" nodeType="tmRoot"/>
+      </p:par>
+    </p:tnLst>
+  </p:timing>
 </p:sld>
 </file>
 
@@ -4133,7 +6140,7 @@
       </p:grpSpPr>
       <p:sp>
         <p:nvSpPr>
-          <p:cNvPr id="2" name="Title 1"/>
+          <p:cNvPr id="5" name="Title 4"/>
           <p:cNvSpPr>
             <a:spLocks noGrp="1"/>
           </p:cNvSpPr>
@@ -4147,20 +6154,21 @@
           <a:lstStyle/>
           <a:p>
             <a:r>
-              <a:rPr lang="en-US" dirty="0"/>
-              <a:t>DIREKTORI SETELAH MENJALANKAN PROGRAM</a:t>
-            </a:r>
+              <a:rPr lang="en-US" dirty="0" smtClean="0"/>
+              <a:t>PROSES FTP</a:t>
+            </a:r>
+            <a:endParaRPr lang="en-US" dirty="0"/>
           </a:p>
         </p:txBody>
       </p:sp>
       <p:pic>
         <p:nvPicPr>
-          <p:cNvPr id="5" name="Content Placeholder 4"/>
+          <p:cNvPr id="7" name="Content Placeholder 6"/>
           <p:cNvPicPr>
             <a:picLocks noGrp="1" noChangeAspect="1"/>
           </p:cNvPicPr>
           <p:nvPr>
-            <p:ph sz="half" idx="1"/>
+            <p:ph idx="1"/>
           </p:nvPr>
         </p:nvPicPr>
         <p:blipFill>
@@ -4177,103 +6185,28 @@
         </p:blipFill>
         <p:spPr>
           <a:xfrm>
-            <a:off x="838200" y="1825625"/>
-            <a:ext cx="5181600" cy="1350844"/>
+            <a:off x="1833844" y="2082415"/>
+            <a:ext cx="8524312" cy="3481257"/>
           </a:xfrm>
         </p:spPr>
       </p:pic>
-      <p:sp>
-        <p:nvSpPr>
-          <p:cNvPr id="4" name="Content Placeholder 3"/>
-          <p:cNvSpPr>
-            <a:spLocks noGrp="1"/>
-          </p:cNvSpPr>
-          <p:nvPr>
-            <p:ph sz="half" idx="2"/>
-          </p:nvPr>
-        </p:nvSpPr>
-        <p:spPr/>
-        <p:txBody>
-          <a:bodyPr/>
-          <a:lstStyle/>
-          <a:p>
-            <a:r>
-              <a:rPr lang="en-US" dirty="0" err="1"/>
-              <a:t>Terdapat</a:t>
-            </a:r>
-            <a:r>
-              <a:rPr lang="en-US" dirty="0"/>
-              <a:t> file </a:t>
-            </a:r>
-            <a:r>
-              <a:rPr lang="en-US" dirty="0" err="1"/>
-              <a:t>baru</a:t>
-            </a:r>
-            <a:r>
-              <a:rPr lang="en-US" dirty="0"/>
-              <a:t> </a:t>
-            </a:r>
-            <a:r>
-              <a:rPr lang="en-US" dirty="0" err="1"/>
-              <a:t>bernama</a:t>
-            </a:r>
-            <a:r>
-              <a:rPr lang="en-US" dirty="0"/>
-              <a:t> “</a:t>
-            </a:r>
-            <a:r>
-              <a:rPr lang="en-US" dirty="0" err="1"/>
-              <a:t>file_download</a:t>
-            </a:r>
-            <a:r>
-              <a:rPr lang="en-US" dirty="0"/>
-              <a:t>” yang </a:t>
-            </a:r>
-            <a:r>
-              <a:rPr lang="en-US" dirty="0" err="1"/>
-              <a:t>merupakan</a:t>
-            </a:r>
-            <a:r>
-              <a:rPr lang="en-US" dirty="0"/>
-              <a:t> </a:t>
-            </a:r>
-            <a:r>
-              <a:rPr lang="en-US" dirty="0" err="1"/>
-              <a:t>hasil</a:t>
-            </a:r>
-            <a:r>
-              <a:rPr lang="en-US" dirty="0"/>
-              <a:t> </a:t>
-            </a:r>
-            <a:r>
-              <a:rPr lang="en-US" dirty="0" err="1"/>
-              <a:t>unduh</a:t>
-            </a:r>
-            <a:r>
-              <a:rPr lang="en-US" dirty="0"/>
-              <a:t> </a:t>
-            </a:r>
-            <a:r>
-              <a:rPr lang="en-US" dirty="0" err="1"/>
-              <a:t>dari</a:t>
-            </a:r>
-            <a:r>
-              <a:rPr lang="en-US" dirty="0"/>
-              <a:t> client.</a:t>
-            </a:r>
-          </a:p>
-        </p:txBody>
-      </p:sp>
     </p:spTree>
     <p:extLst>
       <p:ext uri="{BB962C8B-B14F-4D97-AF65-F5344CB8AC3E}">
-        <p14:creationId xmlns:p14="http://schemas.microsoft.com/office/powerpoint/2010/main" val="3454290122"/>
+        <p14:creationId xmlns:p14="http://schemas.microsoft.com/office/powerpoint/2010/main" val="350439989"/>
       </p:ext>
     </p:extLst>
   </p:cSld>
   <p:clrMapOvr>
     <a:masterClrMapping/>
   </p:clrMapOvr>
+  <p:timing>
+    <p:tnLst>
+      <p:par>
+        <p:cTn id="1" dur="indefinite" restart="never" nodeType="tmRoot"/>
+      </p:par>
+    </p:tnLst>
+  </p:timing>
 </p:sld>
 </file>
 
@@ -4304,34 +6237,182 @@
             <p:ph type="title"/>
           </p:nvPr>
         </p:nvSpPr>
+        <p:spPr/>
+        <p:txBody>
+          <a:bodyPr/>
+          <a:lstStyle/>
+          <a:p>
+            <a:r>
+              <a:rPr lang="en-US" dirty="0" smtClean="0"/>
+              <a:t>COMMAND HANDLE</a:t>
+            </a:r>
+            <a:endParaRPr lang="en-US" dirty="0"/>
+          </a:p>
+        </p:txBody>
+      </p:sp>
+      <p:pic>
+        <p:nvPicPr>
+          <p:cNvPr id="6" name="Content Placeholder 5"/>
+          <p:cNvPicPr>
+            <a:picLocks noGrp="1" noChangeAspect="1"/>
+          </p:cNvPicPr>
+          <p:nvPr>
+            <p:ph sz="half" idx="1"/>
+          </p:nvPr>
+        </p:nvPicPr>
+        <p:blipFill>
+          <a:blip r:embed="rId2">
+            <a:extLst>
+              <a:ext uri="{28A0092B-C50C-407E-A947-70E740481C1C}">
+                <a14:useLocalDpi xmlns:a14="http://schemas.microsoft.com/office/drawing/2010/main" val="0"/>
+              </a:ext>
+            </a:extLst>
+          </a:blip>
+          <a:stretch>
+            <a:fillRect/>
+          </a:stretch>
+        </p:blipFill>
         <p:spPr>
           <a:xfrm>
-            <a:off x="838200" y="365125"/>
-            <a:ext cx="10515600" cy="6125827"/>
+            <a:off x="838200" y="1690687"/>
+            <a:ext cx="5569050" cy="3538135"/>
           </a:xfrm>
         </p:spPr>
-        <p:txBody>
-          <a:bodyPr/>
-          <a:lstStyle/>
-          <a:p>
-            <a:pPr algn="ctr"/>
-            <a:r>
-              <a:rPr lang="en-US" sz="9600" dirty="0"/>
-              <a:t>MATUR NUWUN</a:t>
-            </a:r>
-          </a:p>
-        </p:txBody>
-      </p:sp>
+      </p:pic>
+      <p:pic>
+        <p:nvPicPr>
+          <p:cNvPr id="7" name="Content Placeholder 6"/>
+          <p:cNvPicPr>
+            <a:picLocks noGrp="1" noChangeAspect="1"/>
+          </p:cNvPicPr>
+          <p:nvPr>
+            <p:ph sz="half" idx="2"/>
+          </p:nvPr>
+        </p:nvPicPr>
+        <p:blipFill>
+          <a:blip r:embed="rId3">
+            <a:extLst>
+              <a:ext uri="{28A0092B-C50C-407E-A947-70E740481C1C}">
+                <a14:useLocalDpi xmlns:a14="http://schemas.microsoft.com/office/drawing/2010/main" val="0"/>
+              </a:ext>
+            </a:extLst>
+          </a:blip>
+          <a:stretch>
+            <a:fillRect/>
+          </a:stretch>
+        </p:blipFill>
+        <p:spPr>
+          <a:xfrm>
+            <a:off x="6825755" y="1690687"/>
+            <a:ext cx="4656834" cy="4934712"/>
+          </a:xfrm>
+        </p:spPr>
+      </p:pic>
     </p:spTree>
     <p:extLst>
       <p:ext uri="{BB962C8B-B14F-4D97-AF65-F5344CB8AC3E}">
-        <p14:creationId xmlns:p14="http://schemas.microsoft.com/office/powerpoint/2010/main" val="3737675646"/>
+        <p14:creationId xmlns:p14="http://schemas.microsoft.com/office/powerpoint/2010/main" val="119880922"/>
       </p:ext>
     </p:extLst>
   </p:cSld>
   <p:clrMapOvr>
     <a:masterClrMapping/>
   </p:clrMapOvr>
+  <p:timing>
+    <p:tnLst>
+      <p:par>
+        <p:cTn id="1" dur="indefinite" restart="never" nodeType="tmRoot"/>
+      </p:par>
+    </p:tnLst>
+  </p:timing>
+</p:sld>
+</file>
+
+<file path=ppt/slides/slide9.xml><?xml version="1.0" encoding="utf-8"?>
+<p:sld xmlns:a="http://schemas.openxmlformats.org/drawingml/2006/main" xmlns:r="http://schemas.openxmlformats.org/officeDocument/2006/relationships" xmlns:p="http://schemas.openxmlformats.org/presentationml/2006/main">
+  <p:cSld>
+    <p:spTree>
+      <p:nvGrpSpPr>
+        <p:cNvPr id="1" name=""/>
+        <p:cNvGrpSpPr/>
+        <p:nvPr/>
+      </p:nvGrpSpPr>
+      <p:grpSpPr>
+        <a:xfrm>
+          <a:off x="0" y="0"/>
+          <a:ext cx="0" cy="0"/>
+          <a:chOff x="0" y="0"/>
+          <a:chExt cx="0" cy="0"/>
+        </a:xfrm>
+      </p:grpSpPr>
+      <p:sp>
+        <p:nvSpPr>
+          <p:cNvPr id="2" name="Title 1"/>
+          <p:cNvSpPr>
+            <a:spLocks noGrp="1"/>
+          </p:cNvSpPr>
+          <p:nvPr>
+            <p:ph type="title"/>
+          </p:nvPr>
+        </p:nvSpPr>
+        <p:spPr/>
+        <p:txBody>
+          <a:bodyPr/>
+          <a:lstStyle/>
+          <a:p>
+            <a:r>
+              <a:rPr lang="en-US" dirty="0"/>
+              <a:t>COMMAND HANDLE</a:t>
+            </a:r>
+          </a:p>
+        </p:txBody>
+      </p:sp>
+      <p:pic>
+        <p:nvPicPr>
+          <p:cNvPr id="5" name="Content Placeholder 4"/>
+          <p:cNvPicPr>
+            <a:picLocks noGrp="1" noChangeAspect="1"/>
+          </p:cNvPicPr>
+          <p:nvPr>
+            <p:ph sz="half" idx="1"/>
+          </p:nvPr>
+        </p:nvPicPr>
+        <p:blipFill>
+          <a:blip r:embed="rId2">
+            <a:extLst>
+              <a:ext uri="{28A0092B-C50C-407E-A947-70E740481C1C}">
+                <a14:useLocalDpi xmlns:a14="http://schemas.microsoft.com/office/drawing/2010/main" val="0"/>
+              </a:ext>
+            </a:extLst>
+          </a:blip>
+          <a:stretch>
+            <a:fillRect/>
+          </a:stretch>
+        </p:blipFill>
+        <p:spPr>
+          <a:xfrm>
+            <a:off x="3743561" y="1909628"/>
+            <a:ext cx="4704878" cy="4752046"/>
+          </a:xfrm>
+        </p:spPr>
+      </p:pic>
+    </p:spTree>
+    <p:extLst>
+      <p:ext uri="{BB962C8B-B14F-4D97-AF65-F5344CB8AC3E}">
+        <p14:creationId xmlns:p14="http://schemas.microsoft.com/office/powerpoint/2010/main" val="1453125851"/>
+      </p:ext>
+    </p:extLst>
+  </p:cSld>
+  <p:clrMapOvr>
+    <a:masterClrMapping/>
+  </p:clrMapOvr>
+  <p:timing>
+    <p:tnLst>
+      <p:par>
+        <p:cTn id="1" dur="indefinite" restart="never" nodeType="tmRoot"/>
+      </p:par>
+    </p:tnLst>
+  </p:timing>
 </p:sld>
 </file>
 
